--- a/pptnya.pptx
+++ b/pptnya.pptx
@@ -6,7 +6,17 @@
   </p:sldMasterIdLst>
   <p:sldIdLst>
     <p:sldId id="256" r:id="rId2"/>
-    <p:sldId id="257" r:id="rId3"/>
+    <p:sldId id="258" r:id="rId3"/>
+    <p:sldId id="257" r:id="rId4"/>
+    <p:sldId id="259" r:id="rId5"/>
+    <p:sldId id="260" r:id="rId6"/>
+    <p:sldId id="262" r:id="rId7"/>
+    <p:sldId id="261" r:id="rId8"/>
+    <p:sldId id="264" r:id="rId9"/>
+    <p:sldId id="265" r:id="rId10"/>
+    <p:sldId id="263" r:id="rId11"/>
+    <p:sldId id="266" r:id="rId12"/>
+    <p:sldId id="267" r:id="rId13"/>
   </p:sldIdLst>
   <p:sldSz cx="12192000" cy="6858000"/>
   <p:notesSz cx="6858000" cy="9144000"/>
@@ -2954,7 +2964,9 @@
     <p:bg>
       <p:bgPr>
         <a:solidFill>
-          <a:srgbClr val="D5D5D5"/>
+          <a:schemeClr val="bg1">
+            <a:lumMod val="95000"/>
+          </a:schemeClr>
         </a:solidFill>
         <a:effectLst/>
       </p:bgPr>
@@ -2981,7 +2993,7 @@
         </p:nvSpPr>
         <p:spPr>
           <a:xfrm>
-            <a:off x="4743855" y="4993503"/>
+            <a:off x="4667655" y="4974453"/>
             <a:ext cx="3173946" cy="830997"/>
           </a:xfrm>
           <a:prstGeom prst="rect">
@@ -2997,11 +3009,21 @@
           <a:p>
             <a:r>
               <a:rPr lang="en-US" sz="4800" dirty="0" smtClean="0">
+                <a:solidFill>
+                  <a:schemeClr val="accent1">
+                    <a:lumMod val="50000"/>
+                  </a:schemeClr>
+                </a:solidFill>
                 <a:latin typeface="Bebas" pitchFamily="2" charset="0"/>
               </a:rPr>
               <a:t>KELOMPOK 1</a:t>
             </a:r>
             <a:endParaRPr lang="en-US" sz="4800" dirty="0">
+              <a:solidFill>
+                <a:schemeClr val="accent1">
+                  <a:lumMod val="50000"/>
+                </a:schemeClr>
+              </a:solidFill>
               <a:latin typeface="Bebas" pitchFamily="2" charset="0"/>
             </a:endParaRPr>
           </a:p>
@@ -3015,7 +3037,7 @@
         </p:nvSpPr>
         <p:spPr>
           <a:xfrm>
-            <a:off x="5875361" y="4029155"/>
+            <a:off x="5799161" y="4010105"/>
             <a:ext cx="1029449" cy="1323439"/>
           </a:xfrm>
           <a:prstGeom prst="rect">
@@ -3031,12 +3053,22 @@
           <a:p>
             <a:r>
               <a:rPr lang="en-US" sz="8000" b="1" dirty="0" smtClean="0">
+                <a:solidFill>
+                  <a:schemeClr val="bg2">
+                    <a:lumMod val="50000"/>
+                  </a:schemeClr>
+                </a:solidFill>
                 <a:latin typeface="Gill Sans Ultra Bold" panose="020B0A02020104020203" pitchFamily="34" charset="0"/>
                 <a:cs typeface="Times New Roman" panose="02020603050405020304" pitchFamily="18" charset="0"/>
               </a:rPr>
               <a:t>“</a:t>
             </a:r>
             <a:endParaRPr lang="en-US" sz="8000" b="1" dirty="0">
+              <a:solidFill>
+                <a:schemeClr val="bg2">
+                  <a:lumMod val="50000"/>
+                </a:schemeClr>
+              </a:solidFill>
               <a:latin typeface="Gill Sans Ultra Bold" panose="020B0A02020104020203" pitchFamily="34" charset="0"/>
               <a:cs typeface="Times New Roman" panose="02020603050405020304" pitchFamily="18" charset="0"/>
             </a:endParaRPr>
@@ -3051,13 +3083,18 @@
         </p:nvCxnSpPr>
         <p:spPr>
           <a:xfrm>
-            <a:off x="4658085" y="4930433"/>
+            <a:off x="4581885" y="4911383"/>
             <a:ext cx="3307451" cy="0"/>
           </a:xfrm>
           <a:prstGeom prst="line">
             <a:avLst/>
           </a:prstGeom>
           <a:ln w="28575">
+            <a:solidFill>
+              <a:schemeClr val="bg2">
+                <a:lumMod val="50000"/>
+              </a:schemeClr>
+            </a:solidFill>
             <a:prstDash val="solid"/>
           </a:ln>
         </p:spPr>
@@ -3084,7 +3121,7 @@
         </p:nvSpPr>
         <p:spPr>
           <a:xfrm>
-            <a:off x="5189922" y="5723272"/>
+            <a:off x="5113722" y="5704222"/>
             <a:ext cx="2387192" cy="646331"/>
           </a:xfrm>
           <a:prstGeom prst="rect">
@@ -3100,6 +3137,11 @@
           <a:p>
             <a:r>
               <a:rPr lang="en-US" dirty="0" err="1" smtClean="0">
+                <a:solidFill>
+                  <a:schemeClr val="accent1">
+                    <a:lumMod val="75000"/>
+                  </a:schemeClr>
+                </a:solidFill>
                 <a:latin typeface="Roboto Condensed" pitchFamily="2" charset="0"/>
                 <a:ea typeface="Roboto Condensed" pitchFamily="2" charset="0"/>
               </a:rPr>
@@ -3107,6 +3149,11 @@
             </a:r>
             <a:r>
               <a:rPr lang="en-US" dirty="0" smtClean="0">
+                <a:solidFill>
+                  <a:schemeClr val="accent1">
+                    <a:lumMod val="75000"/>
+                  </a:schemeClr>
+                </a:solidFill>
                 <a:latin typeface="Roboto Condensed" pitchFamily="2" charset="0"/>
                 <a:ea typeface="Roboto Condensed" pitchFamily="2" charset="0"/>
               </a:rPr>
@@ -3114,6 +3161,11 @@
             </a:r>
             <a:r>
               <a:rPr lang="en-US" dirty="0" err="1" smtClean="0">
+                <a:solidFill>
+                  <a:schemeClr val="accent1">
+                    <a:lumMod val="75000"/>
+                  </a:schemeClr>
+                </a:solidFill>
                 <a:latin typeface="Roboto Condensed" pitchFamily="2" charset="0"/>
                 <a:ea typeface="Roboto Condensed" pitchFamily="2" charset="0"/>
               </a:rPr>
@@ -3121,6 +3173,11 @@
             </a:r>
             <a:r>
               <a:rPr lang="en-US" dirty="0" smtClean="0">
+                <a:solidFill>
+                  <a:schemeClr val="accent1">
+                    <a:lumMod val="75000"/>
+                  </a:schemeClr>
+                </a:solidFill>
                 <a:latin typeface="Roboto Condensed" pitchFamily="2" charset="0"/>
                 <a:ea typeface="Roboto Condensed" pitchFamily="2" charset="0"/>
               </a:rPr>
@@ -3128,12 +3185,22 @@
             </a:r>
             <a:r>
               <a:rPr lang="en-US" dirty="0" err="1" smtClean="0">
+                <a:solidFill>
+                  <a:schemeClr val="accent1">
+                    <a:lumMod val="75000"/>
+                  </a:schemeClr>
+                </a:solidFill>
                 <a:latin typeface="Roboto Condensed" pitchFamily="2" charset="0"/>
                 <a:ea typeface="Roboto Condensed" pitchFamily="2" charset="0"/>
               </a:rPr>
               <a:t>Lunak</a:t>
             </a:r>
             <a:endParaRPr lang="en-US" dirty="0" smtClean="0">
+              <a:solidFill>
+                <a:schemeClr val="accent1">
+                  <a:lumMod val="75000"/>
+                </a:schemeClr>
+              </a:solidFill>
               <a:latin typeface="Roboto Condensed" pitchFamily="2" charset="0"/>
               <a:ea typeface="Roboto Condensed" pitchFamily="2" charset="0"/>
             </a:endParaRPr>
@@ -3142,12 +3209,22 @@
             <a:pPr algn="ctr"/>
             <a:r>
               <a:rPr lang="en-US" dirty="0" smtClean="0">
+                <a:solidFill>
+                  <a:schemeClr val="accent1">
+                    <a:lumMod val="75000"/>
+                  </a:schemeClr>
+                </a:solidFill>
                 <a:latin typeface="Roboto Condensed" pitchFamily="2" charset="0"/>
                 <a:ea typeface="Roboto Condensed" pitchFamily="2" charset="0"/>
               </a:rPr>
               <a:t>1A-D4 2017</a:t>
             </a:r>
             <a:endParaRPr lang="en-US" dirty="0">
+              <a:solidFill>
+                <a:schemeClr val="accent1">
+                  <a:lumMod val="75000"/>
+                </a:schemeClr>
+              </a:solidFill>
               <a:latin typeface="Roboto Condensed" pitchFamily="2" charset="0"/>
               <a:ea typeface="Roboto Condensed" pitchFamily="2" charset="0"/>
             </a:endParaRPr>
@@ -3162,13 +3239,18 @@
         </p:nvCxnSpPr>
         <p:spPr>
           <a:xfrm>
-            <a:off x="5975350" y="6411807"/>
+            <a:off x="5899150" y="6392757"/>
             <a:ext cx="712192" cy="0"/>
           </a:xfrm>
           <a:prstGeom prst="line">
             <a:avLst/>
           </a:prstGeom>
           <a:ln w="19050">
+            <a:solidFill>
+              <a:schemeClr val="bg2">
+                <a:lumMod val="50000"/>
+              </a:schemeClr>
+            </a:solidFill>
             <a:prstDash val="solid"/>
           </a:ln>
         </p:spPr>
@@ -3207,9 +3289,19 @@
 </p:sld>
 </file>
 
-<file path=ppt/slides/slide2.xml><?xml version="1.0" encoding="utf-8"?>
+<file path=ppt/slides/slide10.xml><?xml version="1.0" encoding="utf-8"?>
 <p:sld xmlns:a="http://schemas.openxmlformats.org/drawingml/2006/main" xmlns:r="http://schemas.openxmlformats.org/officeDocument/2006/relationships" xmlns:p="http://schemas.openxmlformats.org/presentationml/2006/main">
   <p:cSld>
+    <p:bg>
+      <p:bgPr>
+        <a:solidFill>
+          <a:schemeClr val="bg1">
+            <a:lumMod val="95000"/>
+          </a:schemeClr>
+        </a:solidFill>
+        <a:effectLst/>
+      </p:bgPr>
+    </p:bg>
     <p:spTree>
       <p:nvGrpSpPr>
         <p:cNvPr id="1" name=""/>
@@ -3226,52 +3318,14 @@
       </p:grpSpPr>
       <p:sp>
         <p:nvSpPr>
-          <p:cNvPr id="2" name="Title 1"/>
-          <p:cNvSpPr>
-            <a:spLocks noGrp="1"/>
-          </p:cNvSpPr>
-          <p:nvPr>
-            <p:ph type="title"/>
-          </p:nvPr>
-        </p:nvSpPr>
-        <p:spPr/>
-        <p:txBody>
-          <a:bodyPr/>
-          <a:lstStyle/>
-          <a:p>
-            <a:endParaRPr lang="en-US"/>
-          </a:p>
-        </p:txBody>
-      </p:sp>
-      <p:sp>
-        <p:nvSpPr>
-          <p:cNvPr id="3" name="Content Placeholder 2"/>
-          <p:cNvSpPr>
-            <a:spLocks noGrp="1"/>
-          </p:cNvSpPr>
-          <p:nvPr>
-            <p:ph idx="1"/>
-          </p:nvPr>
-        </p:nvSpPr>
-        <p:spPr/>
-        <p:txBody>
-          <a:bodyPr/>
-          <a:lstStyle/>
-          <a:p>
-            <a:endParaRPr lang="en-US"/>
-          </a:p>
-        </p:txBody>
-      </p:sp>
-      <p:sp>
-        <p:nvSpPr>
           <p:cNvPr id="4" name="TextBox 3"/>
           <p:cNvSpPr txBox="1"/>
           <p:nvPr/>
         </p:nvSpPr>
         <p:spPr>
           <a:xfrm>
-            <a:off x="4875600" y="2766050"/>
-            <a:ext cx="3122016" cy="461665"/>
+            <a:off x="0" y="2724150"/>
+            <a:ext cx="9240543" cy="4508927"/>
           </a:xfrm>
           <a:prstGeom prst="rect">
             <a:avLst/>
@@ -3279,42 +3333,29 @@
           <a:noFill/>
         </p:spPr>
         <p:txBody>
-          <a:bodyPr wrap="square" rtlCol="0">
+          <a:bodyPr wrap="none" rtlCol="0">
             <a:spAutoFit/>
           </a:bodyPr>
           <a:lstStyle/>
           <a:p>
             <a:r>
-              <a:rPr lang="en-US" sz="2400" dirty="0" err="1" smtClean="0">
-                <a:latin typeface="Roboto Condensed" pitchFamily="2" charset="0"/>
-                <a:ea typeface="Roboto Condensed" pitchFamily="2" charset="0"/>
-              </a:rPr>
-              <a:t>Afif</a:t>
-            </a:r>
-            <a:r>
-              <a:rPr lang="en-US" sz="2400" dirty="0" smtClean="0">
-                <a:latin typeface="Roboto Condensed" pitchFamily="2" charset="0"/>
-                <a:ea typeface="Roboto Condensed" pitchFamily="2" charset="0"/>
-              </a:rPr>
-              <a:t> </a:t>
-            </a:r>
-            <a:r>
-              <a:rPr lang="en-US" sz="2400" dirty="0" err="1" smtClean="0">
-                <a:latin typeface="Roboto Condensed" pitchFamily="2" charset="0"/>
-                <a:ea typeface="Roboto Condensed" pitchFamily="2" charset="0"/>
-              </a:rPr>
-              <a:t>Rana</a:t>
-            </a:r>
-            <a:r>
-              <a:rPr lang="en-US" sz="2400" dirty="0" smtClean="0">
-                <a:latin typeface="Roboto Condensed" pitchFamily="2" charset="0"/>
-                <a:ea typeface="Roboto Condensed" pitchFamily="2" charset="0"/>
-              </a:rPr>
-              <a:t> M</a:t>
-            </a:r>
-            <a:endParaRPr lang="en-US" sz="2400" dirty="0">
-              <a:latin typeface="Roboto Condensed" pitchFamily="2" charset="0"/>
-              <a:ea typeface="Roboto Condensed" pitchFamily="2" charset="0"/>
+              <a:rPr lang="en-US" sz="28700" dirty="0" smtClean="0">
+                <a:solidFill>
+                  <a:schemeClr val="bg1">
+                    <a:lumMod val="85000"/>
+                  </a:schemeClr>
+                </a:solidFill>
+                <a:latin typeface="Bebas" pitchFamily="2" charset="0"/>
+              </a:rPr>
+              <a:t>HOW ?</a:t>
+            </a:r>
+            <a:endParaRPr lang="en-US" sz="28700" dirty="0">
+              <a:solidFill>
+                <a:schemeClr val="bg1">
+                  <a:lumMod val="85000"/>
+                </a:schemeClr>
+              </a:solidFill>
+              <a:latin typeface="Bebas" pitchFamily="2" charset="0"/>
             </a:endParaRPr>
           </a:p>
         </p:txBody>
@@ -3327,8 +3368,8 @@
         </p:nvSpPr>
         <p:spPr>
           <a:xfrm>
-            <a:off x="4869950" y="3265192"/>
-            <a:ext cx="3162701" cy="461665"/>
+            <a:off x="674711" y="447755"/>
+            <a:ext cx="1029449" cy="1323439"/>
           </a:xfrm>
           <a:prstGeom prst="rect">
             <a:avLst/>
@@ -3336,226 +3377,56 @@
           <a:noFill/>
         </p:spPr>
         <p:txBody>
-          <a:bodyPr wrap="square" rtlCol="0">
+          <a:bodyPr wrap="none" rtlCol="0">
             <a:spAutoFit/>
           </a:bodyPr>
           <a:lstStyle/>
           <a:p>
             <a:r>
-              <a:rPr lang="en-US" sz="2400" dirty="0" err="1" smtClean="0">
-                <a:latin typeface="Roboto Condensed" pitchFamily="2" charset="0"/>
-                <a:ea typeface="Roboto Condensed" pitchFamily="2" charset="0"/>
-              </a:rPr>
-              <a:t>Annazar</a:t>
-            </a:r>
-            <a:r>
-              <a:rPr lang="en-US" sz="2400" dirty="0" smtClean="0">
-                <a:latin typeface="Roboto Condensed" pitchFamily="2" charset="0"/>
-                <a:ea typeface="Roboto Condensed" pitchFamily="2" charset="0"/>
-              </a:rPr>
-              <a:t> </a:t>
-            </a:r>
-            <a:r>
-              <a:rPr lang="en-US" sz="2400" dirty="0" err="1" smtClean="0">
-                <a:latin typeface="Roboto Condensed" pitchFamily="2" charset="0"/>
-                <a:ea typeface="Roboto Condensed" pitchFamily="2" charset="0"/>
-              </a:rPr>
-              <a:t>Darul</a:t>
-            </a:r>
-            <a:r>
-              <a:rPr lang="en-US" sz="2400" dirty="0">
-                <a:latin typeface="Roboto Condensed" pitchFamily="2" charset="0"/>
-                <a:ea typeface="Roboto Condensed" pitchFamily="2" charset="0"/>
-              </a:rPr>
-              <a:t> </a:t>
-            </a:r>
-            <a:r>
-              <a:rPr lang="en-US" sz="2400" dirty="0" smtClean="0">
-                <a:latin typeface="Roboto Condensed" pitchFamily="2" charset="0"/>
-                <a:ea typeface="Roboto Condensed" pitchFamily="2" charset="0"/>
-              </a:rPr>
-              <a:t>I</a:t>
-            </a:r>
-            <a:endParaRPr lang="en-US" sz="2400" dirty="0">
-              <a:latin typeface="Roboto Condensed" pitchFamily="2" charset="0"/>
-              <a:ea typeface="Roboto Condensed" pitchFamily="2" charset="0"/>
-            </a:endParaRPr>
-          </a:p>
-        </p:txBody>
-      </p:sp>
-      <p:sp>
-        <p:nvSpPr>
-          <p:cNvPr id="6" name="TextBox 5"/>
-          <p:cNvSpPr txBox="1"/>
-          <p:nvPr/>
-        </p:nvSpPr>
-        <p:spPr>
-          <a:xfrm>
-            <a:off x="4861532" y="3764334"/>
-            <a:ext cx="3171119" cy="461665"/>
-          </a:xfrm>
-          <a:prstGeom prst="rect">
-            <a:avLst/>
-          </a:prstGeom>
-          <a:noFill/>
-        </p:spPr>
-        <p:txBody>
-          <a:bodyPr wrap="square" rtlCol="0">
-            <a:spAutoFit/>
-          </a:bodyPr>
-          <a:lstStyle/>
-          <a:p>
-            <a:r>
-              <a:rPr lang="en-US" sz="2400" dirty="0" err="1" smtClean="0">
-                <a:latin typeface="Roboto Condensed" pitchFamily="2" charset="0"/>
-                <a:ea typeface="Roboto Condensed" pitchFamily="2" charset="0"/>
-              </a:rPr>
-              <a:t>Farhan</a:t>
-            </a:r>
-            <a:r>
-              <a:rPr lang="en-US" sz="2400" dirty="0" smtClean="0">
-                <a:latin typeface="Roboto Condensed" pitchFamily="2" charset="0"/>
-                <a:ea typeface="Roboto Condensed" pitchFamily="2" charset="0"/>
-              </a:rPr>
-              <a:t> </a:t>
-            </a:r>
-            <a:r>
-              <a:rPr lang="en-US" sz="2400" dirty="0" err="1" smtClean="0">
-                <a:latin typeface="Roboto Condensed" pitchFamily="2" charset="0"/>
-                <a:ea typeface="Roboto Condensed" pitchFamily="2" charset="0"/>
-              </a:rPr>
-              <a:t>Rahmat</a:t>
-            </a:r>
-            <a:r>
-              <a:rPr lang="en-US" sz="2400" dirty="0" smtClean="0">
-                <a:latin typeface="Roboto Condensed" pitchFamily="2" charset="0"/>
-                <a:ea typeface="Roboto Condensed" pitchFamily="2" charset="0"/>
-              </a:rPr>
-              <a:t> A</a:t>
-            </a:r>
-            <a:endParaRPr lang="en-US" sz="2400" dirty="0">
-              <a:latin typeface="Roboto Condensed" pitchFamily="2" charset="0"/>
-              <a:ea typeface="Roboto Condensed" pitchFamily="2" charset="0"/>
-            </a:endParaRPr>
-          </a:p>
-        </p:txBody>
-      </p:sp>
-      <p:sp>
-        <p:nvSpPr>
-          <p:cNvPr id="7" name="TextBox 6"/>
-          <p:cNvSpPr txBox="1"/>
-          <p:nvPr/>
-        </p:nvSpPr>
-        <p:spPr>
-          <a:xfrm>
-            <a:off x="4869949" y="4311671"/>
-            <a:ext cx="3182331" cy="461665"/>
-          </a:xfrm>
-          <a:prstGeom prst="rect">
-            <a:avLst/>
-          </a:prstGeom>
-          <a:noFill/>
-        </p:spPr>
-        <p:txBody>
-          <a:bodyPr wrap="square" rtlCol="0">
-            <a:spAutoFit/>
-          </a:bodyPr>
-          <a:lstStyle/>
-          <a:p>
-            <a:r>
-              <a:rPr lang="en-US" sz="2400" dirty="0" err="1" smtClean="0">
-                <a:latin typeface="Roboto Condensed" pitchFamily="2" charset="0"/>
-                <a:ea typeface="Roboto Condensed" pitchFamily="2" charset="0"/>
-              </a:rPr>
-              <a:t>Ilham</a:t>
-            </a:r>
-            <a:r>
-              <a:rPr lang="en-US" sz="2400" dirty="0" smtClean="0">
-                <a:latin typeface="Roboto Condensed" pitchFamily="2" charset="0"/>
-                <a:ea typeface="Roboto Condensed" pitchFamily="2" charset="0"/>
-              </a:rPr>
-              <a:t> Gibran A M</a:t>
-            </a:r>
-            <a:endParaRPr lang="en-US" sz="2400" dirty="0">
-              <a:latin typeface="Roboto Condensed" pitchFamily="2" charset="0"/>
-              <a:ea typeface="Roboto Condensed" pitchFamily="2" charset="0"/>
-            </a:endParaRPr>
-          </a:p>
-        </p:txBody>
-      </p:sp>
-      <p:sp>
-        <p:nvSpPr>
-          <p:cNvPr id="8" name="TextBox 7"/>
-          <p:cNvSpPr txBox="1"/>
-          <p:nvPr/>
-        </p:nvSpPr>
-        <p:spPr>
-          <a:xfrm>
-            <a:off x="4869951" y="4844029"/>
-            <a:ext cx="3127665" cy="461665"/>
-          </a:xfrm>
-          <a:prstGeom prst="rect">
-            <a:avLst/>
-          </a:prstGeom>
-          <a:noFill/>
-        </p:spPr>
-        <p:txBody>
-          <a:bodyPr wrap="square" rtlCol="0">
-            <a:spAutoFit/>
-          </a:bodyPr>
-          <a:lstStyle/>
-          <a:p>
-            <a:r>
-              <a:rPr lang="en-US" sz="2400" dirty="0" err="1" smtClean="0">
-                <a:latin typeface="Roboto Condensed" pitchFamily="2" charset="0"/>
-                <a:ea typeface="Roboto Condensed" pitchFamily="2" charset="0"/>
-              </a:rPr>
-              <a:t>Hamzah</a:t>
-            </a:r>
-            <a:r>
-              <a:rPr lang="en-US" sz="2400" dirty="0" smtClean="0">
-                <a:latin typeface="Roboto Condensed" pitchFamily="2" charset="0"/>
-                <a:ea typeface="Roboto Condensed" pitchFamily="2" charset="0"/>
-              </a:rPr>
-              <a:t> </a:t>
-            </a:r>
-            <a:r>
-              <a:rPr lang="en-US" sz="2400" dirty="0" err="1" smtClean="0">
-                <a:latin typeface="Roboto Condensed" pitchFamily="2" charset="0"/>
-                <a:ea typeface="Roboto Condensed" pitchFamily="2" charset="0"/>
-              </a:rPr>
-              <a:t>Prasetio</a:t>
-            </a:r>
-            <a:r>
-              <a:rPr lang="en-US" sz="2400" dirty="0" smtClean="0">
-                <a:latin typeface="Roboto Condensed" pitchFamily="2" charset="0"/>
-                <a:ea typeface="Roboto Condensed" pitchFamily="2" charset="0"/>
-              </a:rPr>
-              <a:t> U</a:t>
-            </a:r>
-            <a:endParaRPr lang="en-US" sz="2400" dirty="0">
-              <a:latin typeface="Roboto Condensed" pitchFamily="2" charset="0"/>
-              <a:ea typeface="Roboto Condensed" pitchFamily="2" charset="0"/>
+              <a:rPr lang="en-US" sz="8000" b="1" dirty="0" smtClean="0">
+                <a:solidFill>
+                  <a:schemeClr val="bg2">
+                    <a:lumMod val="50000"/>
+                  </a:schemeClr>
+                </a:solidFill>
+                <a:latin typeface="Gill Sans Ultra Bold" panose="020B0A02020104020203" pitchFamily="34" charset="0"/>
+                <a:cs typeface="Times New Roman" panose="02020603050405020304" pitchFamily="18" charset="0"/>
+              </a:rPr>
+              <a:t>“</a:t>
+            </a:r>
+            <a:endParaRPr lang="en-US" sz="8000" b="1" dirty="0">
+              <a:solidFill>
+                <a:schemeClr val="bg2">
+                  <a:lumMod val="50000"/>
+                </a:schemeClr>
+              </a:solidFill>
+              <a:latin typeface="Gill Sans Ultra Bold" panose="020B0A02020104020203" pitchFamily="34" charset="0"/>
+              <a:cs typeface="Times New Roman" panose="02020603050405020304" pitchFamily="18" charset="0"/>
             </a:endParaRPr>
           </a:p>
         </p:txBody>
       </p:sp>
       <p:cxnSp>
         <p:nvCxnSpPr>
-          <p:cNvPr id="9" name="Straight Connector 8"/>
+          <p:cNvPr id="6" name="Straight Connector 5"/>
           <p:cNvCxnSpPr/>
           <p:nvPr/>
         </p:nvCxnSpPr>
         <p:spPr>
           <a:xfrm>
-            <a:off x="4877600" y="5526259"/>
-            <a:ext cx="3307451" cy="0"/>
+            <a:off x="674711" y="1501433"/>
+            <a:ext cx="10907689" cy="0"/>
           </a:xfrm>
           <a:prstGeom prst="line">
             <a:avLst/>
           </a:prstGeom>
           <a:ln w="28575">
-            <a:prstDash val="sysDash"/>
+            <a:solidFill>
+              <a:schemeClr val="bg2">
+                <a:lumMod val="50000"/>
+              </a:schemeClr>
+            </a:solidFill>
+            <a:prstDash val="solid"/>
           </a:ln>
         </p:spPr>
         <p:style>
@@ -3575,13 +3446,788 @@
       </p:cxnSp>
       <p:sp>
         <p:nvSpPr>
-          <p:cNvPr id="10" name="TextBox 9"/>
+          <p:cNvPr id="7" name="TextBox 6"/>
           <p:cNvSpPr txBox="1"/>
           <p:nvPr/>
         </p:nvSpPr>
         <p:spPr>
-          <a:xfrm rot="10800000">
-            <a:off x="6016600" y="5165372"/>
+          <a:xfrm>
+            <a:off x="3924300" y="1637844"/>
+            <a:ext cx="7696200" cy="1569660"/>
+          </a:xfrm>
+          <a:prstGeom prst="rect">
+            <a:avLst/>
+          </a:prstGeom>
+          <a:noFill/>
+        </p:spPr>
+        <p:txBody>
+          <a:bodyPr wrap="square" rtlCol="0">
+            <a:spAutoFit/>
+          </a:bodyPr>
+          <a:lstStyle/>
+          <a:p>
+            <a:pPr algn="r"/>
+            <a:r>
+              <a:rPr lang="en-US" sz="2400" dirty="0" err="1" smtClean="0">
+                <a:solidFill>
+                  <a:schemeClr val="accent1">
+                    <a:lumMod val="50000"/>
+                  </a:schemeClr>
+                </a:solidFill>
+              </a:rPr>
+              <a:t>Pengambilan</a:t>
+            </a:r>
+            <a:r>
+              <a:rPr lang="en-US" sz="2400" dirty="0" smtClean="0">
+                <a:solidFill>
+                  <a:schemeClr val="accent1">
+                    <a:lumMod val="50000"/>
+                  </a:schemeClr>
+                </a:solidFill>
+              </a:rPr>
+              <a:t> data </a:t>
+            </a:r>
+            <a:r>
+              <a:rPr lang="en-US" sz="2400" dirty="0" err="1" smtClean="0">
+                <a:solidFill>
+                  <a:schemeClr val="accent1">
+                    <a:lumMod val="50000"/>
+                  </a:schemeClr>
+                </a:solidFill>
+              </a:rPr>
+              <a:t>dapat</a:t>
+            </a:r>
+            <a:r>
+              <a:rPr lang="en-US" sz="2400" dirty="0" smtClean="0">
+                <a:solidFill>
+                  <a:schemeClr val="accent1">
+                    <a:lumMod val="50000"/>
+                  </a:schemeClr>
+                </a:solidFill>
+              </a:rPr>
+              <a:t> </a:t>
+            </a:r>
+            <a:r>
+              <a:rPr lang="en-US" sz="2400" dirty="0" err="1" smtClean="0">
+                <a:solidFill>
+                  <a:schemeClr val="accent1">
+                    <a:lumMod val="50000"/>
+                  </a:schemeClr>
+                </a:solidFill>
+              </a:rPr>
+              <a:t>dilakukan</a:t>
+            </a:r>
+            <a:r>
+              <a:rPr lang="en-US" sz="2400" dirty="0" smtClean="0">
+                <a:solidFill>
+                  <a:schemeClr val="accent1">
+                    <a:lumMod val="50000"/>
+                  </a:schemeClr>
+                </a:solidFill>
+              </a:rPr>
+              <a:t> </a:t>
+            </a:r>
+            <a:r>
+              <a:rPr lang="en-US" sz="2400" dirty="0" err="1" smtClean="0">
+                <a:solidFill>
+                  <a:schemeClr val="accent1">
+                    <a:lumMod val="50000"/>
+                  </a:schemeClr>
+                </a:solidFill>
+              </a:rPr>
+              <a:t>dengan</a:t>
+            </a:r>
+            <a:r>
+              <a:rPr lang="en-US" sz="2400" dirty="0" smtClean="0">
+                <a:solidFill>
+                  <a:schemeClr val="accent1">
+                    <a:lumMod val="50000"/>
+                  </a:schemeClr>
+                </a:solidFill>
+              </a:rPr>
+              <a:t> </a:t>
+            </a:r>
+            <a:r>
+              <a:rPr lang="en-US" sz="2400" dirty="0" err="1" smtClean="0">
+                <a:solidFill>
+                  <a:schemeClr val="accent1">
+                    <a:lumMod val="50000"/>
+                  </a:schemeClr>
+                </a:solidFill>
+              </a:rPr>
+              <a:t>pencarian</a:t>
+            </a:r>
+            <a:r>
+              <a:rPr lang="en-US" sz="2400" dirty="0" smtClean="0">
+                <a:solidFill>
+                  <a:schemeClr val="accent1">
+                    <a:lumMod val="50000"/>
+                  </a:schemeClr>
+                </a:solidFill>
+              </a:rPr>
+              <a:t> di internet </a:t>
+            </a:r>
+            <a:r>
+              <a:rPr lang="en-US" sz="2400" dirty="0" err="1" smtClean="0">
+                <a:solidFill>
+                  <a:schemeClr val="accent1">
+                    <a:lumMod val="50000"/>
+                  </a:schemeClr>
+                </a:solidFill>
+              </a:rPr>
+              <a:t>dan</a:t>
+            </a:r>
+            <a:r>
+              <a:rPr lang="en-US" sz="2400" dirty="0" smtClean="0">
+                <a:solidFill>
+                  <a:schemeClr val="accent1">
+                    <a:lumMod val="50000"/>
+                  </a:schemeClr>
+                </a:solidFill>
+              </a:rPr>
+              <a:t> </a:t>
+            </a:r>
+            <a:r>
+              <a:rPr lang="en-US" sz="2400" dirty="0" err="1" smtClean="0">
+                <a:solidFill>
+                  <a:schemeClr val="accent1">
+                    <a:lumMod val="50000"/>
+                  </a:schemeClr>
+                </a:solidFill>
+              </a:rPr>
+              <a:t>juga</a:t>
+            </a:r>
+            <a:r>
+              <a:rPr lang="en-US" sz="2400" dirty="0" smtClean="0">
+                <a:solidFill>
+                  <a:schemeClr val="accent1">
+                    <a:lumMod val="50000"/>
+                  </a:schemeClr>
+                </a:solidFill>
+              </a:rPr>
+              <a:t> </a:t>
+            </a:r>
+            <a:r>
+              <a:rPr lang="en-US" sz="2400" dirty="0" err="1" smtClean="0">
+                <a:solidFill>
+                  <a:schemeClr val="accent1">
+                    <a:lumMod val="50000"/>
+                  </a:schemeClr>
+                </a:solidFill>
+              </a:rPr>
+              <a:t>melalui</a:t>
+            </a:r>
+            <a:r>
+              <a:rPr lang="en-US" sz="2400" dirty="0" smtClean="0">
+                <a:solidFill>
+                  <a:schemeClr val="accent1">
+                    <a:lumMod val="50000"/>
+                  </a:schemeClr>
+                </a:solidFill>
+              </a:rPr>
+              <a:t> survey </a:t>
+            </a:r>
+            <a:r>
+              <a:rPr lang="en-US" sz="2400" dirty="0" err="1" smtClean="0">
+                <a:solidFill>
+                  <a:schemeClr val="accent1">
+                    <a:lumMod val="50000"/>
+                  </a:schemeClr>
+                </a:solidFill>
+              </a:rPr>
+              <a:t>lapangan</a:t>
+            </a:r>
+            <a:r>
+              <a:rPr lang="en-US" sz="2400" dirty="0" smtClean="0">
+                <a:solidFill>
+                  <a:schemeClr val="accent1">
+                    <a:lumMod val="50000"/>
+                  </a:schemeClr>
+                </a:solidFill>
+              </a:rPr>
+              <a:t>. Kami </a:t>
+            </a:r>
+            <a:r>
+              <a:rPr lang="en-US" sz="2400" dirty="0" err="1" smtClean="0">
+                <a:solidFill>
+                  <a:schemeClr val="accent1">
+                    <a:lumMod val="50000"/>
+                  </a:schemeClr>
+                </a:solidFill>
+              </a:rPr>
+              <a:t>berencana</a:t>
+            </a:r>
+            <a:r>
+              <a:rPr lang="en-US" sz="2400" dirty="0" smtClean="0">
+                <a:solidFill>
+                  <a:schemeClr val="accent1">
+                    <a:lumMod val="50000"/>
+                  </a:schemeClr>
+                </a:solidFill>
+              </a:rPr>
+              <a:t> </a:t>
+            </a:r>
+            <a:r>
+              <a:rPr lang="en-US" sz="2400" dirty="0" err="1" smtClean="0">
+                <a:solidFill>
+                  <a:schemeClr val="accent1">
+                    <a:lumMod val="50000"/>
+                  </a:schemeClr>
+                </a:solidFill>
+              </a:rPr>
+              <a:t>untuk</a:t>
+            </a:r>
+            <a:r>
+              <a:rPr lang="en-US" sz="2400" dirty="0" smtClean="0">
+                <a:solidFill>
+                  <a:schemeClr val="accent1">
+                    <a:lumMod val="50000"/>
+                  </a:schemeClr>
+                </a:solidFill>
+              </a:rPr>
+              <a:t> </a:t>
+            </a:r>
+            <a:r>
+              <a:rPr lang="en-US" sz="2400" dirty="0" err="1" smtClean="0">
+                <a:solidFill>
+                  <a:schemeClr val="accent1">
+                    <a:lumMod val="50000"/>
+                  </a:schemeClr>
+                </a:solidFill>
+              </a:rPr>
+              <a:t>mengambil</a:t>
+            </a:r>
+            <a:r>
+              <a:rPr lang="en-US" sz="2400" dirty="0" smtClean="0">
+                <a:solidFill>
+                  <a:schemeClr val="accent1">
+                    <a:lumMod val="50000"/>
+                  </a:schemeClr>
+                </a:solidFill>
+              </a:rPr>
+              <a:t> data </a:t>
+            </a:r>
+            <a:r>
+              <a:rPr lang="en-US" sz="2400" dirty="0" err="1" smtClean="0">
+                <a:solidFill>
+                  <a:schemeClr val="accent1">
+                    <a:lumMod val="50000"/>
+                  </a:schemeClr>
+                </a:solidFill>
+              </a:rPr>
+              <a:t>produk</a:t>
+            </a:r>
+            <a:r>
+              <a:rPr lang="en-US" sz="2400" dirty="0" smtClean="0">
+                <a:solidFill>
+                  <a:schemeClr val="accent1">
+                    <a:lumMod val="50000"/>
+                  </a:schemeClr>
+                </a:solidFill>
+              </a:rPr>
+              <a:t> </a:t>
+            </a:r>
+            <a:r>
+              <a:rPr lang="en-US" sz="2400" dirty="0" err="1" smtClean="0">
+                <a:solidFill>
+                  <a:schemeClr val="accent1">
+                    <a:lumMod val="50000"/>
+                  </a:schemeClr>
+                </a:solidFill>
+              </a:rPr>
+              <a:t>dan</a:t>
+            </a:r>
+            <a:r>
+              <a:rPr lang="en-US" sz="2400" dirty="0" smtClean="0">
+                <a:solidFill>
+                  <a:schemeClr val="accent1">
+                    <a:lumMod val="50000"/>
+                  </a:schemeClr>
+                </a:solidFill>
+              </a:rPr>
+              <a:t> </a:t>
+            </a:r>
+            <a:r>
+              <a:rPr lang="en-US" sz="2400" dirty="0" err="1" smtClean="0">
+                <a:solidFill>
+                  <a:schemeClr val="accent1">
+                    <a:lumMod val="50000"/>
+                  </a:schemeClr>
+                </a:solidFill>
+              </a:rPr>
+              <a:t>juga</a:t>
+            </a:r>
+            <a:r>
+              <a:rPr lang="en-US" sz="2400" dirty="0" smtClean="0">
+                <a:solidFill>
+                  <a:schemeClr val="accent1">
+                    <a:lumMod val="50000"/>
+                  </a:schemeClr>
+                </a:solidFill>
+              </a:rPr>
+              <a:t> data </a:t>
+            </a:r>
+            <a:r>
+              <a:rPr lang="en-US" sz="2400" dirty="0" err="1" smtClean="0">
+                <a:solidFill>
+                  <a:schemeClr val="accent1">
+                    <a:lumMod val="50000"/>
+                  </a:schemeClr>
+                </a:solidFill>
+              </a:rPr>
+              <a:t>mengenai</a:t>
+            </a:r>
+            <a:r>
+              <a:rPr lang="en-US" sz="2400" dirty="0" smtClean="0">
+                <a:solidFill>
+                  <a:schemeClr val="accent1">
+                    <a:lumMod val="50000"/>
+                  </a:schemeClr>
+                </a:solidFill>
+              </a:rPr>
+              <a:t> </a:t>
+            </a:r>
+            <a:r>
+              <a:rPr lang="en-US" sz="2400" dirty="0" err="1" smtClean="0">
+                <a:solidFill>
+                  <a:schemeClr val="accent1">
+                    <a:lumMod val="50000"/>
+                  </a:schemeClr>
+                </a:solidFill>
+              </a:rPr>
+              <a:t>penerima</a:t>
+            </a:r>
+            <a:r>
+              <a:rPr lang="en-US" sz="2400" dirty="0" smtClean="0">
+                <a:solidFill>
+                  <a:schemeClr val="accent1">
+                    <a:lumMod val="50000"/>
+                  </a:schemeClr>
+                </a:solidFill>
+              </a:rPr>
+              <a:t> </a:t>
+            </a:r>
+            <a:r>
+              <a:rPr lang="en-US" sz="2400" dirty="0" err="1" smtClean="0">
+                <a:solidFill>
+                  <a:schemeClr val="accent1">
+                    <a:lumMod val="50000"/>
+                  </a:schemeClr>
+                </a:solidFill>
+              </a:rPr>
+              <a:t>donasi</a:t>
+            </a:r>
+            <a:r>
+              <a:rPr lang="en-US" sz="2400" dirty="0" smtClean="0">
+                <a:solidFill>
+                  <a:schemeClr val="accent1">
+                    <a:lumMod val="50000"/>
+                  </a:schemeClr>
+                </a:solidFill>
+              </a:rPr>
+              <a:t>.</a:t>
+            </a:r>
+            <a:endParaRPr lang="en-US" sz="2400" dirty="0">
+              <a:solidFill>
+                <a:schemeClr val="accent1">
+                  <a:lumMod val="50000"/>
+                </a:schemeClr>
+              </a:solidFill>
+              <a:latin typeface="Roboto Condensed" pitchFamily="2" charset="0"/>
+              <a:ea typeface="Roboto Condensed" pitchFamily="2" charset="0"/>
+            </a:endParaRPr>
+          </a:p>
+        </p:txBody>
+      </p:sp>
+    </p:spTree>
+    <p:extLst>
+      <p:ext uri="{BB962C8B-B14F-4D97-AF65-F5344CB8AC3E}">
+        <p14:creationId xmlns:p14="http://schemas.microsoft.com/office/powerpoint/2010/main" val="3038251791"/>
+      </p:ext>
+    </p:extLst>
+  </p:cSld>
+  <p:clrMapOvr>
+    <a:masterClrMapping/>
+  </p:clrMapOvr>
+  <p:timing>
+    <p:tnLst>
+      <p:par>
+        <p:cTn id="1" dur="indefinite" restart="never" nodeType="tmRoot"/>
+      </p:par>
+    </p:tnLst>
+  </p:timing>
+</p:sld>
+</file>
+
+<file path=ppt/slides/slide11.xml><?xml version="1.0" encoding="utf-8"?>
+<p:sld xmlns:a="http://schemas.openxmlformats.org/drawingml/2006/main" xmlns:r="http://schemas.openxmlformats.org/officeDocument/2006/relationships" xmlns:p="http://schemas.openxmlformats.org/presentationml/2006/main">
+  <p:cSld>
+    <p:bg>
+      <p:bgPr>
+        <a:solidFill>
+          <a:schemeClr val="bg1">
+            <a:lumMod val="95000"/>
+          </a:schemeClr>
+        </a:solidFill>
+        <a:effectLst/>
+      </p:bgPr>
+    </p:bg>
+    <p:spTree>
+      <p:nvGrpSpPr>
+        <p:cNvPr id="1" name=""/>
+        <p:cNvGrpSpPr/>
+        <p:nvPr/>
+      </p:nvGrpSpPr>
+      <p:grpSpPr>
+        <a:xfrm>
+          <a:off x="0" y="0"/>
+          <a:ext cx="0" cy="0"/>
+          <a:chOff x="0" y="0"/>
+          <a:chExt cx="0" cy="0"/>
+        </a:xfrm>
+      </p:grpSpPr>
+      <p:pic>
+        <p:nvPicPr>
+          <p:cNvPr id="4" name="Picture 3"/>
+          <p:cNvPicPr>
+            <a:picLocks noChangeAspect="1"/>
+          </p:cNvPicPr>
+          <p:nvPr/>
+        </p:nvPicPr>
+        <p:blipFill>
+          <a:blip r:embed="rId2" cstate="print">
+            <a:extLst>
+              <a:ext uri="{28A0092B-C50C-407E-A947-70E740481C1C}">
+                <a14:useLocalDpi xmlns:a14="http://schemas.microsoft.com/office/drawing/2010/main" val="0"/>
+              </a:ext>
+            </a:extLst>
+          </a:blip>
+          <a:stretch>
+            <a:fillRect/>
+          </a:stretch>
+        </p:blipFill>
+        <p:spPr>
+          <a:xfrm>
+            <a:off x="3537199" y="1735832"/>
+            <a:ext cx="5117602" cy="3386335"/>
+          </a:xfrm>
+          <a:prstGeom prst="rect">
+            <a:avLst/>
+          </a:prstGeom>
+        </p:spPr>
+      </p:pic>
+      <p:sp>
+        <p:nvSpPr>
+          <p:cNvPr id="5" name="TextBox 4"/>
+          <p:cNvSpPr txBox="1"/>
+          <p:nvPr/>
+        </p:nvSpPr>
+        <p:spPr>
+          <a:xfrm>
+            <a:off x="4301919" y="5524500"/>
+            <a:ext cx="3588162" cy="769441"/>
+          </a:xfrm>
+          <a:prstGeom prst="rect">
+            <a:avLst/>
+          </a:prstGeom>
+          <a:noFill/>
+        </p:spPr>
+        <p:txBody>
+          <a:bodyPr wrap="none" rtlCol="0">
+            <a:spAutoFit/>
+          </a:bodyPr>
+          <a:lstStyle/>
+          <a:p>
+            <a:r>
+              <a:rPr lang="en-US" sz="4400" dirty="0" smtClean="0">
+                <a:solidFill>
+                  <a:schemeClr val="bg2">
+                    <a:lumMod val="50000"/>
+                  </a:schemeClr>
+                </a:solidFill>
+                <a:latin typeface="Bebas" pitchFamily="2" charset="0"/>
+              </a:rPr>
+              <a:t>PERENCANAAN</a:t>
+            </a:r>
+            <a:endParaRPr lang="en-US" sz="4400" dirty="0">
+              <a:solidFill>
+                <a:schemeClr val="bg2">
+                  <a:lumMod val="50000"/>
+                </a:schemeClr>
+              </a:solidFill>
+              <a:latin typeface="Bebas" pitchFamily="2" charset="0"/>
+            </a:endParaRPr>
+          </a:p>
+        </p:txBody>
+      </p:sp>
+    </p:spTree>
+    <p:extLst>
+      <p:ext uri="{BB962C8B-B14F-4D97-AF65-F5344CB8AC3E}">
+        <p14:creationId xmlns:p14="http://schemas.microsoft.com/office/powerpoint/2010/main" val="562961108"/>
+      </p:ext>
+    </p:extLst>
+  </p:cSld>
+  <p:clrMapOvr>
+    <a:masterClrMapping/>
+  </p:clrMapOvr>
+  <p:timing>
+    <p:tnLst>
+      <p:par>
+        <p:cTn id="1" dur="indefinite" restart="never" nodeType="tmRoot"/>
+      </p:par>
+    </p:tnLst>
+  </p:timing>
+</p:sld>
+</file>
+
+<file path=ppt/slides/slide12.xml><?xml version="1.0" encoding="utf-8"?>
+<p:sld xmlns:a="http://schemas.openxmlformats.org/drawingml/2006/main" xmlns:r="http://schemas.openxmlformats.org/officeDocument/2006/relationships" xmlns:p="http://schemas.openxmlformats.org/presentationml/2006/main">
+  <p:cSld>
+    <p:bg>
+      <p:bgPr>
+        <a:solidFill>
+          <a:schemeClr val="bg1">
+            <a:lumMod val="95000"/>
+          </a:schemeClr>
+        </a:solidFill>
+        <a:effectLst/>
+      </p:bgPr>
+    </p:bg>
+    <p:spTree>
+      <p:nvGrpSpPr>
+        <p:cNvPr id="1" name=""/>
+        <p:cNvGrpSpPr/>
+        <p:nvPr/>
+      </p:nvGrpSpPr>
+      <p:grpSpPr>
+        <a:xfrm>
+          <a:off x="0" y="0"/>
+          <a:ext cx="0" cy="0"/>
+          <a:chOff x="0" y="0"/>
+          <a:chExt cx="0" cy="0"/>
+        </a:xfrm>
+      </p:grpSpPr>
+    </p:spTree>
+    <p:extLst>
+      <p:ext uri="{BB962C8B-B14F-4D97-AF65-F5344CB8AC3E}">
+        <p14:creationId xmlns:p14="http://schemas.microsoft.com/office/powerpoint/2010/main" val="4004980202"/>
+      </p:ext>
+    </p:extLst>
+  </p:cSld>
+  <p:clrMapOvr>
+    <a:masterClrMapping/>
+  </p:clrMapOvr>
+  <p:timing>
+    <p:tnLst>
+      <p:par>
+        <p:cTn id="1" dur="indefinite" restart="never" nodeType="tmRoot"/>
+      </p:par>
+    </p:tnLst>
+  </p:timing>
+</p:sld>
+</file>
+
+<file path=ppt/slides/slide2.xml><?xml version="1.0" encoding="utf-8"?>
+<p:sld xmlns:a="http://schemas.openxmlformats.org/drawingml/2006/main" xmlns:r="http://schemas.openxmlformats.org/officeDocument/2006/relationships" xmlns:p="http://schemas.openxmlformats.org/presentationml/2006/main">
+  <p:cSld>
+    <p:bg>
+      <p:bgPr>
+        <a:solidFill>
+          <a:schemeClr val="bg1">
+            <a:lumMod val="95000"/>
+          </a:schemeClr>
+        </a:solidFill>
+        <a:effectLst/>
+      </p:bgPr>
+    </p:bg>
+    <p:spTree>
+      <p:nvGrpSpPr>
+        <p:cNvPr id="1" name=""/>
+        <p:cNvGrpSpPr/>
+        <p:nvPr/>
+      </p:nvGrpSpPr>
+      <p:grpSpPr>
+        <a:xfrm>
+          <a:off x="0" y="0"/>
+          <a:ext cx="0" cy="0"/>
+          <a:chOff x="0" y="0"/>
+          <a:chExt cx="0" cy="0"/>
+        </a:xfrm>
+      </p:grpSpPr>
+      <p:pic>
+        <p:nvPicPr>
+          <p:cNvPr id="4" name="Picture 3"/>
+          <p:cNvPicPr>
+            <a:picLocks noChangeAspect="1"/>
+          </p:cNvPicPr>
+          <p:nvPr/>
+        </p:nvPicPr>
+        <p:blipFill>
+          <a:blip r:embed="rId2">
+            <a:extLst>
+              <a:ext uri="{28A0092B-C50C-407E-A947-70E740481C1C}">
+                <a14:useLocalDpi xmlns:a14="http://schemas.microsoft.com/office/drawing/2010/main" val="0"/>
+              </a:ext>
+            </a:extLst>
+          </a:blip>
+          <a:stretch>
+            <a:fillRect/>
+          </a:stretch>
+        </p:blipFill>
+        <p:spPr>
+          <a:xfrm>
+            <a:off x="4580665" y="1714499"/>
+            <a:ext cx="3096485" cy="3096485"/>
+          </a:xfrm>
+          <a:prstGeom prst="rect">
+            <a:avLst/>
+          </a:prstGeom>
+        </p:spPr>
+      </p:pic>
+      <p:sp>
+        <p:nvSpPr>
+          <p:cNvPr id="5" name="TextBox 4"/>
+          <p:cNvSpPr txBox="1"/>
+          <p:nvPr/>
+        </p:nvSpPr>
+        <p:spPr>
+          <a:xfrm>
+            <a:off x="5185988" y="5181600"/>
+            <a:ext cx="1885837" cy="769441"/>
+          </a:xfrm>
+          <a:prstGeom prst="rect">
+            <a:avLst/>
+          </a:prstGeom>
+          <a:noFill/>
+        </p:spPr>
+        <p:txBody>
+          <a:bodyPr wrap="none" rtlCol="0">
+            <a:spAutoFit/>
+          </a:bodyPr>
+          <a:lstStyle/>
+          <a:p>
+            <a:r>
+              <a:rPr lang="en-US" sz="4400" dirty="0" smtClean="0">
+                <a:solidFill>
+                  <a:schemeClr val="bg2">
+                    <a:lumMod val="50000"/>
+                  </a:schemeClr>
+                </a:solidFill>
+                <a:latin typeface="Bebas" pitchFamily="2" charset="0"/>
+              </a:rPr>
+              <a:t>TOPIK ?</a:t>
+            </a:r>
+            <a:endParaRPr lang="en-US" sz="4400" dirty="0">
+              <a:solidFill>
+                <a:schemeClr val="bg2">
+                  <a:lumMod val="50000"/>
+                </a:schemeClr>
+              </a:solidFill>
+              <a:latin typeface="Bebas" pitchFamily="2" charset="0"/>
+            </a:endParaRPr>
+          </a:p>
+        </p:txBody>
+      </p:sp>
+    </p:spTree>
+    <p:extLst>
+      <p:ext uri="{BB962C8B-B14F-4D97-AF65-F5344CB8AC3E}">
+        <p14:creationId xmlns:p14="http://schemas.microsoft.com/office/powerpoint/2010/main" val="4242510233"/>
+      </p:ext>
+    </p:extLst>
+  </p:cSld>
+  <p:clrMapOvr>
+    <a:masterClrMapping/>
+  </p:clrMapOvr>
+  <p:timing>
+    <p:tnLst>
+      <p:par>
+        <p:cTn id="1" dur="indefinite" restart="never" nodeType="tmRoot"/>
+      </p:par>
+    </p:tnLst>
+  </p:timing>
+</p:sld>
+</file>
+
+<file path=ppt/slides/slide3.xml><?xml version="1.0" encoding="utf-8"?>
+<p:sld xmlns:a="http://schemas.openxmlformats.org/drawingml/2006/main" xmlns:r="http://schemas.openxmlformats.org/officeDocument/2006/relationships" xmlns:p="http://schemas.openxmlformats.org/presentationml/2006/main">
+  <p:cSld>
+    <p:bg>
+      <p:bgPr>
+        <a:solidFill>
+          <a:schemeClr val="bg1">
+            <a:lumMod val="95000"/>
+          </a:schemeClr>
+        </a:solidFill>
+        <a:effectLst/>
+      </p:bgPr>
+    </p:bg>
+    <p:spTree>
+      <p:nvGrpSpPr>
+        <p:cNvPr id="1" name=""/>
+        <p:cNvGrpSpPr/>
+        <p:nvPr/>
+      </p:nvGrpSpPr>
+      <p:grpSpPr>
+        <a:xfrm>
+          <a:off x="0" y="0"/>
+          <a:ext cx="0" cy="0"/>
+          <a:chOff x="0" y="0"/>
+          <a:chExt cx="0" cy="0"/>
+        </a:xfrm>
+      </p:grpSpPr>
+      <p:sp>
+        <p:nvSpPr>
+          <p:cNvPr id="12" name="TextBox 11"/>
+          <p:cNvSpPr txBox="1"/>
+          <p:nvPr/>
+        </p:nvSpPr>
+        <p:spPr>
+          <a:xfrm>
+            <a:off x="0" y="2743200"/>
+            <a:ext cx="9033499" cy="4508927"/>
+          </a:xfrm>
+          <a:prstGeom prst="rect">
+            <a:avLst/>
+          </a:prstGeom>
+          <a:noFill/>
+        </p:spPr>
+        <p:txBody>
+          <a:bodyPr wrap="none" rtlCol="0">
+            <a:spAutoFit/>
+          </a:bodyPr>
+          <a:lstStyle/>
+          <a:p>
+            <a:r>
+              <a:rPr lang="en-US" sz="28700" dirty="0" smtClean="0">
+                <a:solidFill>
+                  <a:schemeClr val="bg1">
+                    <a:lumMod val="85000"/>
+                  </a:schemeClr>
+                </a:solidFill>
+                <a:latin typeface="Bebas" pitchFamily="2" charset="0"/>
+              </a:rPr>
+              <a:t>TOPIK</a:t>
+            </a:r>
+            <a:endParaRPr lang="en-US" sz="28700" dirty="0">
+              <a:solidFill>
+                <a:schemeClr val="bg1">
+                  <a:lumMod val="85000"/>
+                </a:schemeClr>
+              </a:solidFill>
+              <a:latin typeface="Bebas" pitchFamily="2" charset="0"/>
+            </a:endParaRPr>
+          </a:p>
+        </p:txBody>
+      </p:sp>
+      <p:sp>
+        <p:nvSpPr>
+          <p:cNvPr id="14" name="TextBox 13"/>
+          <p:cNvSpPr txBox="1"/>
+          <p:nvPr/>
+        </p:nvSpPr>
+        <p:spPr>
+          <a:xfrm>
+            <a:off x="674711" y="447755"/>
             <a:ext cx="1029449" cy="1323439"/>
           </a:xfrm>
           <a:prstGeom prst="rect">
@@ -3597,14 +4243,180 @@
           <a:p>
             <a:r>
               <a:rPr lang="en-US" sz="8000" b="1" dirty="0" smtClean="0">
+                <a:solidFill>
+                  <a:schemeClr val="bg2">
+                    <a:lumMod val="50000"/>
+                  </a:schemeClr>
+                </a:solidFill>
                 <a:latin typeface="Gill Sans Ultra Bold" panose="020B0A02020104020203" pitchFamily="34" charset="0"/>
                 <a:cs typeface="Times New Roman" panose="02020603050405020304" pitchFamily="18" charset="0"/>
               </a:rPr>
               <a:t>“</a:t>
             </a:r>
             <a:endParaRPr lang="en-US" sz="8000" b="1" dirty="0">
+              <a:solidFill>
+                <a:schemeClr val="bg2">
+                  <a:lumMod val="50000"/>
+                </a:schemeClr>
+              </a:solidFill>
               <a:latin typeface="Gill Sans Ultra Bold" panose="020B0A02020104020203" pitchFamily="34" charset="0"/>
               <a:cs typeface="Times New Roman" panose="02020603050405020304" pitchFamily="18" charset="0"/>
+            </a:endParaRPr>
+          </a:p>
+        </p:txBody>
+      </p:sp>
+      <p:cxnSp>
+        <p:nvCxnSpPr>
+          <p:cNvPr id="15" name="Straight Connector 14"/>
+          <p:cNvCxnSpPr/>
+          <p:nvPr/>
+        </p:nvCxnSpPr>
+        <p:spPr>
+          <a:xfrm>
+            <a:off x="674711" y="1501433"/>
+            <a:ext cx="10907689" cy="0"/>
+          </a:xfrm>
+          <a:prstGeom prst="line">
+            <a:avLst/>
+          </a:prstGeom>
+          <a:ln w="28575">
+            <a:solidFill>
+              <a:schemeClr val="bg2">
+                <a:lumMod val="50000"/>
+              </a:schemeClr>
+            </a:solidFill>
+            <a:prstDash val="solid"/>
+          </a:ln>
+        </p:spPr>
+        <p:style>
+          <a:lnRef idx="1">
+            <a:schemeClr val="dk1"/>
+          </a:lnRef>
+          <a:fillRef idx="0">
+            <a:schemeClr val="dk1"/>
+          </a:fillRef>
+          <a:effectRef idx="0">
+            <a:schemeClr val="dk1"/>
+          </a:effectRef>
+          <a:fontRef idx="minor">
+            <a:schemeClr val="tx1"/>
+          </a:fontRef>
+        </p:style>
+      </p:cxnSp>
+      <p:sp>
+        <p:nvSpPr>
+          <p:cNvPr id="18" name="TextBox 17"/>
+          <p:cNvSpPr txBox="1"/>
+          <p:nvPr/>
+        </p:nvSpPr>
+        <p:spPr>
+          <a:xfrm>
+            <a:off x="6185705" y="1733977"/>
+            <a:ext cx="5503430" cy="523220"/>
+          </a:xfrm>
+          <a:prstGeom prst="rect">
+            <a:avLst/>
+          </a:prstGeom>
+          <a:noFill/>
+        </p:spPr>
+        <p:txBody>
+          <a:bodyPr wrap="none" rtlCol="0">
+            <a:spAutoFit/>
+          </a:bodyPr>
+          <a:lstStyle/>
+          <a:p>
+            <a:r>
+              <a:rPr lang="en-US" sz="2800" dirty="0" smtClean="0">
+                <a:solidFill>
+                  <a:schemeClr val="accent1">
+                    <a:lumMod val="50000"/>
+                  </a:schemeClr>
+                </a:solidFill>
+                <a:latin typeface="Roboto Condensed" pitchFamily="2" charset="0"/>
+                <a:ea typeface="Roboto Condensed" pitchFamily="2" charset="0"/>
+              </a:rPr>
+              <a:t>“</a:t>
+            </a:r>
+            <a:r>
+              <a:rPr lang="en-US" sz="2800" dirty="0" err="1" smtClean="0">
+                <a:solidFill>
+                  <a:schemeClr val="accent1">
+                    <a:lumMod val="50000"/>
+                  </a:schemeClr>
+                </a:solidFill>
+                <a:latin typeface="Roboto Condensed" pitchFamily="2" charset="0"/>
+                <a:ea typeface="Roboto Condensed" pitchFamily="2" charset="0"/>
+              </a:rPr>
+              <a:t>Aplikasi</a:t>
+            </a:r>
+            <a:r>
+              <a:rPr lang="en-US" sz="2800" dirty="0" smtClean="0">
+                <a:solidFill>
+                  <a:schemeClr val="accent1">
+                    <a:lumMod val="50000"/>
+                  </a:schemeClr>
+                </a:solidFill>
+                <a:latin typeface="Roboto Condensed" pitchFamily="2" charset="0"/>
+                <a:ea typeface="Roboto Condensed" pitchFamily="2" charset="0"/>
+              </a:rPr>
+              <a:t> Online Shop </a:t>
+            </a:r>
+            <a:r>
+              <a:rPr lang="en-US" sz="2800" dirty="0" err="1" smtClean="0">
+                <a:solidFill>
+                  <a:schemeClr val="accent1">
+                    <a:lumMod val="50000"/>
+                  </a:schemeClr>
+                </a:solidFill>
+                <a:latin typeface="Roboto Condensed" pitchFamily="2" charset="0"/>
+                <a:ea typeface="Roboto Condensed" pitchFamily="2" charset="0"/>
+              </a:rPr>
+              <a:t>dengan</a:t>
+            </a:r>
+            <a:r>
+              <a:rPr lang="en-US" sz="2800" dirty="0" smtClean="0">
+                <a:solidFill>
+                  <a:schemeClr val="accent1">
+                    <a:lumMod val="50000"/>
+                  </a:schemeClr>
+                </a:solidFill>
+                <a:latin typeface="Roboto Condensed" pitchFamily="2" charset="0"/>
+                <a:ea typeface="Roboto Condensed" pitchFamily="2" charset="0"/>
+              </a:rPr>
+              <a:t> </a:t>
+            </a:r>
+            <a:r>
+              <a:rPr lang="en-US" sz="2800" dirty="0" err="1" smtClean="0">
+                <a:solidFill>
+                  <a:schemeClr val="accent1">
+                    <a:lumMod val="50000"/>
+                  </a:schemeClr>
+                </a:solidFill>
+                <a:latin typeface="Roboto Condensed" pitchFamily="2" charset="0"/>
+                <a:ea typeface="Roboto Condensed" pitchFamily="2" charset="0"/>
+              </a:rPr>
+              <a:t>Donasi</a:t>
+            </a:r>
+            <a:r>
+              <a:rPr lang="en-US" sz="2800" dirty="0" smtClean="0">
+                <a:solidFill>
+                  <a:schemeClr val="accent1">
+                    <a:lumMod val="50000"/>
+                  </a:schemeClr>
+                </a:solidFill>
+                <a:latin typeface="Roboto Condensed" pitchFamily="2" charset="0"/>
+                <a:ea typeface="Roboto Condensed" pitchFamily="2" charset="0"/>
+              </a:rPr>
+              <a:t>”</a:t>
+            </a:r>
+            <a:endParaRPr lang="en-US" sz="2800" dirty="0">
+              <a:solidFill>
+                <a:schemeClr val="accent1">
+                  <a:lumMod val="50000"/>
+                </a:schemeClr>
+              </a:solidFill>
+              <a:latin typeface="Roboto Condensed" pitchFamily="2" charset="0"/>
+              <a:ea typeface="Roboto Condensed" pitchFamily="2" charset="0"/>
             </a:endParaRPr>
           </a:p>
         </p:txBody>
@@ -3613,6 +4425,2292 @@
     <p:extLst>
       <p:ext uri="{BB962C8B-B14F-4D97-AF65-F5344CB8AC3E}">
         <p14:creationId xmlns:p14="http://schemas.microsoft.com/office/powerpoint/2010/main" val="3848574812"/>
+      </p:ext>
+    </p:extLst>
+  </p:cSld>
+  <p:clrMapOvr>
+    <a:masterClrMapping/>
+  </p:clrMapOvr>
+  <p:timing>
+    <p:tnLst>
+      <p:par>
+        <p:cTn id="1" dur="indefinite" restart="never" nodeType="tmRoot"/>
+      </p:par>
+    </p:tnLst>
+  </p:timing>
+</p:sld>
+</file>
+
+<file path=ppt/slides/slide4.xml><?xml version="1.0" encoding="utf-8"?>
+<p:sld xmlns:a="http://schemas.openxmlformats.org/drawingml/2006/main" xmlns:r="http://schemas.openxmlformats.org/officeDocument/2006/relationships" xmlns:p="http://schemas.openxmlformats.org/presentationml/2006/main">
+  <p:cSld>
+    <p:bg>
+      <p:bgPr>
+        <a:solidFill>
+          <a:schemeClr val="bg1">
+            <a:lumMod val="95000"/>
+          </a:schemeClr>
+        </a:solidFill>
+        <a:effectLst/>
+      </p:bgPr>
+    </p:bg>
+    <p:spTree>
+      <p:nvGrpSpPr>
+        <p:cNvPr id="1" name=""/>
+        <p:cNvGrpSpPr/>
+        <p:nvPr/>
+      </p:nvGrpSpPr>
+      <p:grpSpPr>
+        <a:xfrm>
+          <a:off x="0" y="0"/>
+          <a:ext cx="0" cy="0"/>
+          <a:chOff x="0" y="0"/>
+          <a:chExt cx="0" cy="0"/>
+        </a:xfrm>
+      </p:grpSpPr>
+      <p:pic>
+        <p:nvPicPr>
+          <p:cNvPr id="4" name="Picture 3"/>
+          <p:cNvPicPr>
+            <a:picLocks noChangeAspect="1"/>
+          </p:cNvPicPr>
+          <p:nvPr/>
+        </p:nvPicPr>
+        <p:blipFill>
+          <a:blip r:embed="rId2">
+            <a:extLst>
+              <a:ext uri="{28A0092B-C50C-407E-A947-70E740481C1C}">
+                <a14:useLocalDpi xmlns:a14="http://schemas.microsoft.com/office/drawing/2010/main" val="0"/>
+              </a:ext>
+            </a:extLst>
+          </a:blip>
+          <a:stretch>
+            <a:fillRect/>
+          </a:stretch>
+        </p:blipFill>
+        <p:spPr>
+          <a:xfrm>
+            <a:off x="4734411" y="1676399"/>
+            <a:ext cx="3114190" cy="3114190"/>
+          </a:xfrm>
+          <a:prstGeom prst="rect">
+            <a:avLst/>
+          </a:prstGeom>
+        </p:spPr>
+      </p:pic>
+      <p:sp>
+        <p:nvSpPr>
+          <p:cNvPr id="5" name="TextBox 4"/>
+          <p:cNvSpPr txBox="1"/>
+          <p:nvPr/>
+        </p:nvSpPr>
+        <p:spPr>
+          <a:xfrm>
+            <a:off x="5556561" y="5238750"/>
+            <a:ext cx="1469890" cy="769441"/>
+          </a:xfrm>
+          <a:prstGeom prst="rect">
+            <a:avLst/>
+          </a:prstGeom>
+          <a:noFill/>
+        </p:spPr>
+        <p:txBody>
+          <a:bodyPr wrap="none" rtlCol="0">
+            <a:spAutoFit/>
+          </a:bodyPr>
+          <a:lstStyle/>
+          <a:p>
+            <a:r>
+              <a:rPr lang="en-US" sz="4400" dirty="0" smtClean="0">
+                <a:solidFill>
+                  <a:schemeClr val="bg2">
+                    <a:lumMod val="50000"/>
+                  </a:schemeClr>
+                </a:solidFill>
+                <a:latin typeface="Bebas" pitchFamily="2" charset="0"/>
+              </a:rPr>
+              <a:t>5W 1H</a:t>
+            </a:r>
+            <a:endParaRPr lang="en-US" sz="4400" dirty="0">
+              <a:solidFill>
+                <a:schemeClr val="bg2">
+                  <a:lumMod val="50000"/>
+                </a:schemeClr>
+              </a:solidFill>
+              <a:latin typeface="Bebas" pitchFamily="2" charset="0"/>
+            </a:endParaRPr>
+          </a:p>
+        </p:txBody>
+      </p:sp>
+    </p:spTree>
+    <p:extLst>
+      <p:ext uri="{BB962C8B-B14F-4D97-AF65-F5344CB8AC3E}">
+        <p14:creationId xmlns:p14="http://schemas.microsoft.com/office/powerpoint/2010/main" val="1560017218"/>
+      </p:ext>
+    </p:extLst>
+  </p:cSld>
+  <p:clrMapOvr>
+    <a:masterClrMapping/>
+  </p:clrMapOvr>
+  <p:timing>
+    <p:tnLst>
+      <p:par>
+        <p:cTn id="1" dur="indefinite" restart="never" nodeType="tmRoot"/>
+      </p:par>
+    </p:tnLst>
+  </p:timing>
+</p:sld>
+</file>
+
+<file path=ppt/slides/slide5.xml><?xml version="1.0" encoding="utf-8"?>
+<p:sld xmlns:a="http://schemas.openxmlformats.org/drawingml/2006/main" xmlns:r="http://schemas.openxmlformats.org/officeDocument/2006/relationships" xmlns:p="http://schemas.openxmlformats.org/presentationml/2006/main">
+  <p:cSld>
+    <p:bg>
+      <p:bgPr>
+        <a:solidFill>
+          <a:schemeClr val="bg1">
+            <a:lumMod val="95000"/>
+          </a:schemeClr>
+        </a:solidFill>
+        <a:effectLst/>
+      </p:bgPr>
+    </p:bg>
+    <p:spTree>
+      <p:nvGrpSpPr>
+        <p:cNvPr id="1" name=""/>
+        <p:cNvGrpSpPr/>
+        <p:nvPr/>
+      </p:nvGrpSpPr>
+      <p:grpSpPr>
+        <a:xfrm>
+          <a:off x="0" y="0"/>
+          <a:ext cx="0" cy="0"/>
+          <a:chOff x="0" y="0"/>
+          <a:chExt cx="0" cy="0"/>
+        </a:xfrm>
+      </p:grpSpPr>
+      <p:sp>
+        <p:nvSpPr>
+          <p:cNvPr id="4" name="TextBox 3"/>
+          <p:cNvSpPr txBox="1"/>
+          <p:nvPr/>
+        </p:nvSpPr>
+        <p:spPr>
+          <a:xfrm>
+            <a:off x="0" y="2743200"/>
+            <a:ext cx="11007437" cy="4508927"/>
+          </a:xfrm>
+          <a:prstGeom prst="rect">
+            <a:avLst/>
+          </a:prstGeom>
+          <a:noFill/>
+        </p:spPr>
+        <p:txBody>
+          <a:bodyPr wrap="none" rtlCol="0">
+            <a:spAutoFit/>
+          </a:bodyPr>
+          <a:lstStyle/>
+          <a:p>
+            <a:r>
+              <a:rPr lang="en-US" sz="28700" dirty="0" smtClean="0">
+                <a:solidFill>
+                  <a:schemeClr val="bg1">
+                    <a:lumMod val="85000"/>
+                  </a:schemeClr>
+                </a:solidFill>
+                <a:latin typeface="Bebas" pitchFamily="2" charset="0"/>
+              </a:rPr>
+              <a:t>WHAT ?</a:t>
+            </a:r>
+            <a:endParaRPr lang="en-US" sz="28700" dirty="0">
+              <a:solidFill>
+                <a:schemeClr val="bg1">
+                  <a:lumMod val="85000"/>
+                </a:schemeClr>
+              </a:solidFill>
+              <a:latin typeface="Bebas" pitchFamily="2" charset="0"/>
+            </a:endParaRPr>
+          </a:p>
+        </p:txBody>
+      </p:sp>
+      <p:sp>
+        <p:nvSpPr>
+          <p:cNvPr id="5" name="TextBox 4"/>
+          <p:cNvSpPr txBox="1"/>
+          <p:nvPr/>
+        </p:nvSpPr>
+        <p:spPr>
+          <a:xfrm>
+            <a:off x="674711" y="447755"/>
+            <a:ext cx="1029449" cy="1323439"/>
+          </a:xfrm>
+          <a:prstGeom prst="rect">
+            <a:avLst/>
+          </a:prstGeom>
+          <a:noFill/>
+        </p:spPr>
+        <p:txBody>
+          <a:bodyPr wrap="none" rtlCol="0">
+            <a:spAutoFit/>
+          </a:bodyPr>
+          <a:lstStyle/>
+          <a:p>
+            <a:r>
+              <a:rPr lang="en-US" sz="8000" b="1" dirty="0" smtClean="0">
+                <a:solidFill>
+                  <a:schemeClr val="bg2">
+                    <a:lumMod val="50000"/>
+                  </a:schemeClr>
+                </a:solidFill>
+                <a:latin typeface="Gill Sans Ultra Bold" panose="020B0A02020104020203" pitchFamily="34" charset="0"/>
+                <a:cs typeface="Times New Roman" panose="02020603050405020304" pitchFamily="18" charset="0"/>
+              </a:rPr>
+              <a:t>“</a:t>
+            </a:r>
+            <a:endParaRPr lang="en-US" sz="8000" b="1" dirty="0">
+              <a:solidFill>
+                <a:schemeClr val="bg2">
+                  <a:lumMod val="50000"/>
+                </a:schemeClr>
+              </a:solidFill>
+              <a:latin typeface="Gill Sans Ultra Bold" panose="020B0A02020104020203" pitchFamily="34" charset="0"/>
+              <a:cs typeface="Times New Roman" panose="02020603050405020304" pitchFamily="18" charset="0"/>
+            </a:endParaRPr>
+          </a:p>
+        </p:txBody>
+      </p:sp>
+      <p:cxnSp>
+        <p:nvCxnSpPr>
+          <p:cNvPr id="6" name="Straight Connector 5"/>
+          <p:cNvCxnSpPr/>
+          <p:nvPr/>
+        </p:nvCxnSpPr>
+        <p:spPr>
+          <a:xfrm>
+            <a:off x="674711" y="1501433"/>
+            <a:ext cx="10907689" cy="0"/>
+          </a:xfrm>
+          <a:prstGeom prst="line">
+            <a:avLst/>
+          </a:prstGeom>
+          <a:ln w="28575">
+            <a:solidFill>
+              <a:schemeClr val="bg2">
+                <a:lumMod val="50000"/>
+              </a:schemeClr>
+            </a:solidFill>
+            <a:prstDash val="solid"/>
+          </a:ln>
+        </p:spPr>
+        <p:style>
+          <a:lnRef idx="1">
+            <a:schemeClr val="dk1"/>
+          </a:lnRef>
+          <a:fillRef idx="0">
+            <a:schemeClr val="dk1"/>
+          </a:fillRef>
+          <a:effectRef idx="0">
+            <a:schemeClr val="dk1"/>
+          </a:effectRef>
+          <a:fontRef idx="minor">
+            <a:schemeClr val="tx1"/>
+          </a:fontRef>
+        </p:style>
+      </p:cxnSp>
+      <p:sp>
+        <p:nvSpPr>
+          <p:cNvPr id="7" name="TextBox 6"/>
+          <p:cNvSpPr txBox="1"/>
+          <p:nvPr/>
+        </p:nvSpPr>
+        <p:spPr>
+          <a:xfrm>
+            <a:off x="3158836" y="1637844"/>
+            <a:ext cx="8461664" cy="1200329"/>
+          </a:xfrm>
+          <a:prstGeom prst="rect">
+            <a:avLst/>
+          </a:prstGeom>
+          <a:noFill/>
+        </p:spPr>
+        <p:txBody>
+          <a:bodyPr wrap="square" rtlCol="0">
+            <a:spAutoFit/>
+          </a:bodyPr>
+          <a:lstStyle/>
+          <a:p>
+            <a:pPr algn="r"/>
+            <a:r>
+              <a:rPr lang="en-US" sz="2400" dirty="0" err="1">
+                <a:solidFill>
+                  <a:schemeClr val="accent1">
+                    <a:lumMod val="50000"/>
+                  </a:schemeClr>
+                </a:solidFill>
+                <a:latin typeface="Roboto Condensed" pitchFamily="2" charset="0"/>
+                <a:ea typeface="Roboto Condensed" pitchFamily="2" charset="0"/>
+              </a:rPr>
+              <a:t>Aplikasi</a:t>
+            </a:r>
+            <a:r>
+              <a:rPr lang="en-US" sz="2400" dirty="0">
+                <a:solidFill>
+                  <a:schemeClr val="accent1">
+                    <a:lumMod val="50000"/>
+                  </a:schemeClr>
+                </a:solidFill>
+                <a:latin typeface="Roboto Condensed" pitchFamily="2" charset="0"/>
+                <a:ea typeface="Roboto Condensed" pitchFamily="2" charset="0"/>
+              </a:rPr>
+              <a:t> Online Shop </a:t>
+            </a:r>
+            <a:r>
+              <a:rPr lang="en-US" sz="2400" dirty="0" err="1">
+                <a:solidFill>
+                  <a:schemeClr val="accent1">
+                    <a:lumMod val="50000"/>
+                  </a:schemeClr>
+                </a:solidFill>
+                <a:latin typeface="Roboto Condensed" pitchFamily="2" charset="0"/>
+                <a:ea typeface="Roboto Condensed" pitchFamily="2" charset="0"/>
+              </a:rPr>
+              <a:t>dengan</a:t>
+            </a:r>
+            <a:r>
+              <a:rPr lang="en-US" sz="2400" dirty="0">
+                <a:solidFill>
+                  <a:schemeClr val="accent1">
+                    <a:lumMod val="50000"/>
+                  </a:schemeClr>
+                </a:solidFill>
+                <a:latin typeface="Roboto Condensed" pitchFamily="2" charset="0"/>
+                <a:ea typeface="Roboto Condensed" pitchFamily="2" charset="0"/>
+              </a:rPr>
+              <a:t> </a:t>
+            </a:r>
+            <a:r>
+              <a:rPr lang="en-US" sz="2400" dirty="0" err="1">
+                <a:solidFill>
+                  <a:schemeClr val="accent1">
+                    <a:lumMod val="50000"/>
+                  </a:schemeClr>
+                </a:solidFill>
+                <a:latin typeface="Roboto Condensed" pitchFamily="2" charset="0"/>
+                <a:ea typeface="Roboto Condensed" pitchFamily="2" charset="0"/>
+              </a:rPr>
+              <a:t>Donasi</a:t>
+            </a:r>
+            <a:r>
+              <a:rPr lang="en-US" sz="2400" dirty="0">
+                <a:solidFill>
+                  <a:schemeClr val="accent1">
+                    <a:lumMod val="50000"/>
+                  </a:schemeClr>
+                </a:solidFill>
+                <a:latin typeface="Roboto Condensed" pitchFamily="2" charset="0"/>
+                <a:ea typeface="Roboto Condensed" pitchFamily="2" charset="0"/>
+              </a:rPr>
+              <a:t> </a:t>
+            </a:r>
+            <a:r>
+              <a:rPr lang="en-US" sz="2400" dirty="0" err="1">
+                <a:solidFill>
+                  <a:schemeClr val="accent1">
+                    <a:lumMod val="50000"/>
+                  </a:schemeClr>
+                </a:solidFill>
+                <a:latin typeface="Roboto Condensed" pitchFamily="2" charset="0"/>
+                <a:ea typeface="Roboto Condensed" pitchFamily="2" charset="0"/>
+              </a:rPr>
+              <a:t>adalah</a:t>
+            </a:r>
+            <a:r>
+              <a:rPr lang="en-US" sz="2400" dirty="0">
+                <a:solidFill>
+                  <a:schemeClr val="accent1">
+                    <a:lumMod val="50000"/>
+                  </a:schemeClr>
+                </a:solidFill>
+                <a:latin typeface="Roboto Condensed" pitchFamily="2" charset="0"/>
+                <a:ea typeface="Roboto Condensed" pitchFamily="2" charset="0"/>
+              </a:rPr>
+              <a:t> </a:t>
+            </a:r>
+            <a:r>
+              <a:rPr lang="en-US" sz="2400" dirty="0" err="1">
+                <a:solidFill>
+                  <a:schemeClr val="accent1">
+                    <a:lumMod val="50000"/>
+                  </a:schemeClr>
+                </a:solidFill>
+                <a:latin typeface="Roboto Condensed" pitchFamily="2" charset="0"/>
+                <a:ea typeface="Roboto Condensed" pitchFamily="2" charset="0"/>
+              </a:rPr>
+              <a:t>aplikasi</a:t>
+            </a:r>
+            <a:r>
+              <a:rPr lang="en-US" sz="2400" dirty="0">
+                <a:solidFill>
+                  <a:schemeClr val="accent1">
+                    <a:lumMod val="50000"/>
+                  </a:schemeClr>
+                </a:solidFill>
+                <a:latin typeface="Roboto Condensed" pitchFamily="2" charset="0"/>
+                <a:ea typeface="Roboto Condensed" pitchFamily="2" charset="0"/>
+              </a:rPr>
+              <a:t> </a:t>
+            </a:r>
+            <a:r>
+              <a:rPr lang="en-US" sz="2400" dirty="0" err="1">
+                <a:solidFill>
+                  <a:schemeClr val="accent1">
+                    <a:lumMod val="50000"/>
+                  </a:schemeClr>
+                </a:solidFill>
+                <a:latin typeface="Roboto Condensed" pitchFamily="2" charset="0"/>
+                <a:ea typeface="Roboto Condensed" pitchFamily="2" charset="0"/>
+              </a:rPr>
+              <a:t>toko</a:t>
+            </a:r>
+            <a:r>
+              <a:rPr lang="en-US" sz="2400" dirty="0">
+                <a:solidFill>
+                  <a:schemeClr val="accent1">
+                    <a:lumMod val="50000"/>
+                  </a:schemeClr>
+                </a:solidFill>
+                <a:latin typeface="Roboto Condensed" pitchFamily="2" charset="0"/>
+                <a:ea typeface="Roboto Condensed" pitchFamily="2" charset="0"/>
+              </a:rPr>
+              <a:t> online (</a:t>
+            </a:r>
+            <a:r>
+              <a:rPr lang="en-US" sz="2400" i="1" dirty="0">
+                <a:solidFill>
+                  <a:schemeClr val="accent1">
+                    <a:lumMod val="50000"/>
+                  </a:schemeClr>
+                </a:solidFill>
+                <a:latin typeface="Roboto Condensed" pitchFamily="2" charset="0"/>
+                <a:ea typeface="Roboto Condensed" pitchFamily="2" charset="0"/>
+              </a:rPr>
+              <a:t>e-commerce</a:t>
+            </a:r>
+            <a:r>
+              <a:rPr lang="en-US" sz="2400" dirty="0">
+                <a:solidFill>
+                  <a:schemeClr val="accent1">
+                    <a:lumMod val="50000"/>
+                  </a:schemeClr>
+                </a:solidFill>
+                <a:latin typeface="Roboto Condensed" pitchFamily="2" charset="0"/>
+                <a:ea typeface="Roboto Condensed" pitchFamily="2" charset="0"/>
+              </a:rPr>
+              <a:t>) </a:t>
+            </a:r>
+            <a:r>
+              <a:rPr lang="en-US" sz="2400" dirty="0" err="1">
+                <a:solidFill>
+                  <a:schemeClr val="accent1">
+                    <a:lumMod val="50000"/>
+                  </a:schemeClr>
+                </a:solidFill>
+                <a:latin typeface="Roboto Condensed" pitchFamily="2" charset="0"/>
+                <a:ea typeface="Roboto Condensed" pitchFamily="2" charset="0"/>
+              </a:rPr>
+              <a:t>berbasis</a:t>
+            </a:r>
+            <a:r>
+              <a:rPr lang="en-US" sz="2400" dirty="0">
+                <a:solidFill>
+                  <a:schemeClr val="accent1">
+                    <a:lumMod val="50000"/>
+                  </a:schemeClr>
+                </a:solidFill>
+                <a:latin typeface="Roboto Condensed" pitchFamily="2" charset="0"/>
+                <a:ea typeface="Roboto Condensed" pitchFamily="2" charset="0"/>
+              </a:rPr>
+              <a:t> </a:t>
+            </a:r>
+            <a:r>
+              <a:rPr lang="en-US" sz="2400" i="1" dirty="0">
+                <a:solidFill>
+                  <a:schemeClr val="accent1">
+                    <a:lumMod val="50000"/>
+                  </a:schemeClr>
+                </a:solidFill>
+                <a:latin typeface="Roboto Condensed" pitchFamily="2" charset="0"/>
+                <a:ea typeface="Roboto Condensed" pitchFamily="2" charset="0"/>
+              </a:rPr>
+              <a:t>website</a:t>
+            </a:r>
+            <a:r>
+              <a:rPr lang="en-US" sz="2400" dirty="0">
+                <a:solidFill>
+                  <a:schemeClr val="accent1">
+                    <a:lumMod val="50000"/>
+                  </a:schemeClr>
+                </a:solidFill>
+                <a:latin typeface="Roboto Condensed" pitchFamily="2" charset="0"/>
+                <a:ea typeface="Roboto Condensed" pitchFamily="2" charset="0"/>
+              </a:rPr>
+              <a:t> yang </a:t>
+            </a:r>
+            <a:r>
+              <a:rPr lang="en-US" sz="2400" dirty="0" err="1">
+                <a:solidFill>
+                  <a:schemeClr val="accent1">
+                    <a:lumMod val="50000"/>
+                  </a:schemeClr>
+                </a:solidFill>
+                <a:latin typeface="Roboto Condensed" pitchFamily="2" charset="0"/>
+                <a:ea typeface="Roboto Condensed" pitchFamily="2" charset="0"/>
+              </a:rPr>
+              <a:t>memiliki</a:t>
+            </a:r>
+            <a:r>
+              <a:rPr lang="en-US" sz="2400" dirty="0">
+                <a:solidFill>
+                  <a:schemeClr val="accent1">
+                    <a:lumMod val="50000"/>
+                  </a:schemeClr>
+                </a:solidFill>
+                <a:latin typeface="Roboto Condensed" pitchFamily="2" charset="0"/>
+                <a:ea typeface="Roboto Condensed" pitchFamily="2" charset="0"/>
+              </a:rPr>
+              <a:t> </a:t>
+            </a:r>
+            <a:r>
+              <a:rPr lang="en-US" sz="2400" dirty="0" err="1">
+                <a:solidFill>
+                  <a:schemeClr val="accent1">
+                    <a:lumMod val="50000"/>
+                  </a:schemeClr>
+                </a:solidFill>
+                <a:latin typeface="Roboto Condensed" pitchFamily="2" charset="0"/>
+                <a:ea typeface="Roboto Condensed" pitchFamily="2" charset="0"/>
+              </a:rPr>
+              <a:t>sistem</a:t>
+            </a:r>
+            <a:r>
+              <a:rPr lang="en-US" sz="2400" dirty="0">
+                <a:solidFill>
+                  <a:schemeClr val="accent1">
+                    <a:lumMod val="50000"/>
+                  </a:schemeClr>
+                </a:solidFill>
+                <a:latin typeface="Roboto Condensed" pitchFamily="2" charset="0"/>
+                <a:ea typeface="Roboto Condensed" pitchFamily="2" charset="0"/>
+              </a:rPr>
+              <a:t> </a:t>
+            </a:r>
+            <a:r>
+              <a:rPr lang="en-US" sz="2400" dirty="0" err="1">
+                <a:solidFill>
+                  <a:schemeClr val="accent1">
+                    <a:lumMod val="50000"/>
+                  </a:schemeClr>
+                </a:solidFill>
+                <a:latin typeface="Roboto Condensed" pitchFamily="2" charset="0"/>
+                <a:ea typeface="Roboto Condensed" pitchFamily="2" charset="0"/>
+              </a:rPr>
+              <a:t>donasi</a:t>
+            </a:r>
+            <a:r>
+              <a:rPr lang="en-US" sz="2400" dirty="0">
+                <a:solidFill>
+                  <a:schemeClr val="accent1">
+                    <a:lumMod val="50000"/>
+                  </a:schemeClr>
+                </a:solidFill>
+                <a:latin typeface="Roboto Condensed" pitchFamily="2" charset="0"/>
+                <a:ea typeface="Roboto Condensed" pitchFamily="2" charset="0"/>
+              </a:rPr>
+              <a:t> </a:t>
+            </a:r>
+            <a:r>
+              <a:rPr lang="en-US" sz="2400" dirty="0" err="1">
+                <a:solidFill>
+                  <a:schemeClr val="accent1">
+                    <a:lumMod val="50000"/>
+                  </a:schemeClr>
+                </a:solidFill>
+                <a:latin typeface="Roboto Condensed" pitchFamily="2" charset="0"/>
+                <a:ea typeface="Roboto Condensed" pitchFamily="2" charset="0"/>
+              </a:rPr>
+              <a:t>untuk</a:t>
+            </a:r>
+            <a:r>
+              <a:rPr lang="en-US" sz="2400" dirty="0">
+                <a:solidFill>
+                  <a:schemeClr val="accent1">
+                    <a:lumMod val="50000"/>
+                  </a:schemeClr>
+                </a:solidFill>
+                <a:latin typeface="Roboto Condensed" pitchFamily="2" charset="0"/>
+                <a:ea typeface="Roboto Condensed" pitchFamily="2" charset="0"/>
+              </a:rPr>
+              <a:t> </a:t>
+            </a:r>
+            <a:r>
+              <a:rPr lang="en-US" sz="2400" dirty="0" err="1">
+                <a:solidFill>
+                  <a:schemeClr val="accent1">
+                    <a:lumMod val="50000"/>
+                  </a:schemeClr>
+                </a:solidFill>
+                <a:latin typeface="Roboto Condensed" pitchFamily="2" charset="0"/>
+                <a:ea typeface="Roboto Condensed" pitchFamily="2" charset="0"/>
+              </a:rPr>
+              <a:t>setiap</a:t>
+            </a:r>
+            <a:r>
+              <a:rPr lang="en-US" sz="2400" dirty="0">
+                <a:solidFill>
+                  <a:schemeClr val="accent1">
+                    <a:lumMod val="50000"/>
+                  </a:schemeClr>
+                </a:solidFill>
+                <a:latin typeface="Roboto Condensed" pitchFamily="2" charset="0"/>
+                <a:ea typeface="Roboto Condensed" pitchFamily="2" charset="0"/>
+              </a:rPr>
+              <a:t> </a:t>
+            </a:r>
+            <a:r>
+              <a:rPr lang="en-US" sz="2400" dirty="0" err="1">
+                <a:solidFill>
+                  <a:schemeClr val="accent1">
+                    <a:lumMod val="50000"/>
+                  </a:schemeClr>
+                </a:solidFill>
+                <a:latin typeface="Roboto Condensed" pitchFamily="2" charset="0"/>
+                <a:ea typeface="Roboto Condensed" pitchFamily="2" charset="0"/>
+              </a:rPr>
+              <a:t>produk</a:t>
+            </a:r>
+            <a:r>
+              <a:rPr lang="en-US" sz="2400" dirty="0">
+                <a:solidFill>
+                  <a:schemeClr val="accent1">
+                    <a:lumMod val="50000"/>
+                  </a:schemeClr>
+                </a:solidFill>
+                <a:latin typeface="Roboto Condensed" pitchFamily="2" charset="0"/>
+                <a:ea typeface="Roboto Condensed" pitchFamily="2" charset="0"/>
+              </a:rPr>
+              <a:t> (</a:t>
+            </a:r>
+            <a:r>
+              <a:rPr lang="en-US" sz="2400" dirty="0" err="1">
+                <a:solidFill>
+                  <a:schemeClr val="accent1">
+                    <a:lumMod val="50000"/>
+                  </a:schemeClr>
+                </a:solidFill>
+                <a:latin typeface="Roboto Condensed" pitchFamily="2" charset="0"/>
+                <a:ea typeface="Roboto Condensed" pitchFamily="2" charset="0"/>
+              </a:rPr>
+              <a:t>barang</a:t>
+            </a:r>
+            <a:r>
+              <a:rPr lang="en-US" sz="2400" dirty="0">
+                <a:solidFill>
+                  <a:schemeClr val="accent1">
+                    <a:lumMod val="50000"/>
+                  </a:schemeClr>
+                </a:solidFill>
+                <a:latin typeface="Roboto Condensed" pitchFamily="2" charset="0"/>
+                <a:ea typeface="Roboto Condensed" pitchFamily="2" charset="0"/>
+              </a:rPr>
+              <a:t>) yang </a:t>
+            </a:r>
+            <a:r>
+              <a:rPr lang="en-US" sz="2400" dirty="0" err="1">
+                <a:solidFill>
+                  <a:schemeClr val="accent1">
+                    <a:lumMod val="50000"/>
+                  </a:schemeClr>
+                </a:solidFill>
+                <a:latin typeface="Roboto Condensed" pitchFamily="2" charset="0"/>
+                <a:ea typeface="Roboto Condensed" pitchFamily="2" charset="0"/>
+              </a:rPr>
+              <a:t>dijual</a:t>
+            </a:r>
+            <a:r>
+              <a:rPr lang="en-US" sz="2400" dirty="0">
+                <a:solidFill>
+                  <a:schemeClr val="accent1">
+                    <a:lumMod val="50000"/>
+                  </a:schemeClr>
+                </a:solidFill>
+                <a:latin typeface="Roboto Condensed" pitchFamily="2" charset="0"/>
+                <a:ea typeface="Roboto Condensed" pitchFamily="2" charset="0"/>
+              </a:rPr>
+              <a:t> di </a:t>
+            </a:r>
+            <a:r>
+              <a:rPr lang="en-US" sz="2400" dirty="0" err="1">
+                <a:solidFill>
+                  <a:schemeClr val="accent1">
+                    <a:lumMod val="50000"/>
+                  </a:schemeClr>
+                </a:solidFill>
+                <a:latin typeface="Roboto Condensed" pitchFamily="2" charset="0"/>
+                <a:ea typeface="Roboto Condensed" pitchFamily="2" charset="0"/>
+              </a:rPr>
+              <a:t>dalamnya</a:t>
+            </a:r>
+            <a:endParaRPr lang="en-US" sz="2400" dirty="0">
+              <a:solidFill>
+                <a:schemeClr val="accent1">
+                  <a:lumMod val="50000"/>
+                </a:schemeClr>
+              </a:solidFill>
+              <a:latin typeface="Roboto Condensed" pitchFamily="2" charset="0"/>
+              <a:ea typeface="Roboto Condensed" pitchFamily="2" charset="0"/>
+            </a:endParaRPr>
+          </a:p>
+        </p:txBody>
+      </p:sp>
+    </p:spTree>
+    <p:extLst>
+      <p:ext uri="{BB962C8B-B14F-4D97-AF65-F5344CB8AC3E}">
+        <p14:creationId xmlns:p14="http://schemas.microsoft.com/office/powerpoint/2010/main" val="3576339616"/>
+      </p:ext>
+    </p:extLst>
+  </p:cSld>
+  <p:clrMapOvr>
+    <a:masterClrMapping/>
+  </p:clrMapOvr>
+  <p:timing>
+    <p:tnLst>
+      <p:par>
+        <p:cTn id="1" dur="indefinite" restart="never" nodeType="tmRoot"/>
+      </p:par>
+    </p:tnLst>
+  </p:timing>
+</p:sld>
+</file>
+
+<file path=ppt/slides/slide6.xml><?xml version="1.0" encoding="utf-8"?>
+<p:sld xmlns:a="http://schemas.openxmlformats.org/drawingml/2006/main" xmlns:r="http://schemas.openxmlformats.org/officeDocument/2006/relationships" xmlns:p="http://schemas.openxmlformats.org/presentationml/2006/main">
+  <p:cSld>
+    <p:bg>
+      <p:bgPr>
+        <a:solidFill>
+          <a:schemeClr val="bg1">
+            <a:lumMod val="95000"/>
+          </a:schemeClr>
+        </a:solidFill>
+        <a:effectLst/>
+      </p:bgPr>
+    </p:bg>
+    <p:spTree>
+      <p:nvGrpSpPr>
+        <p:cNvPr id="1" name=""/>
+        <p:cNvGrpSpPr/>
+        <p:nvPr/>
+      </p:nvGrpSpPr>
+      <p:grpSpPr>
+        <a:xfrm>
+          <a:off x="0" y="0"/>
+          <a:ext cx="0" cy="0"/>
+          <a:chOff x="0" y="0"/>
+          <a:chExt cx="0" cy="0"/>
+        </a:xfrm>
+      </p:grpSpPr>
+      <p:sp>
+        <p:nvSpPr>
+          <p:cNvPr id="4" name="TextBox 3"/>
+          <p:cNvSpPr txBox="1"/>
+          <p:nvPr/>
+        </p:nvSpPr>
+        <p:spPr>
+          <a:xfrm>
+            <a:off x="0" y="2724150"/>
+            <a:ext cx="9187964" cy="4508927"/>
+          </a:xfrm>
+          <a:prstGeom prst="rect">
+            <a:avLst/>
+          </a:prstGeom>
+          <a:noFill/>
+        </p:spPr>
+        <p:txBody>
+          <a:bodyPr wrap="none" rtlCol="0">
+            <a:spAutoFit/>
+          </a:bodyPr>
+          <a:lstStyle/>
+          <a:p>
+            <a:r>
+              <a:rPr lang="en-US" sz="28700" dirty="0" smtClean="0">
+                <a:solidFill>
+                  <a:schemeClr val="bg1">
+                    <a:lumMod val="85000"/>
+                  </a:schemeClr>
+                </a:solidFill>
+                <a:latin typeface="Bebas" pitchFamily="2" charset="0"/>
+              </a:rPr>
+              <a:t>WHY?</a:t>
+            </a:r>
+            <a:endParaRPr lang="en-US" sz="28700" dirty="0">
+              <a:solidFill>
+                <a:schemeClr val="bg1">
+                  <a:lumMod val="85000"/>
+                </a:schemeClr>
+              </a:solidFill>
+              <a:latin typeface="Bebas" pitchFamily="2" charset="0"/>
+            </a:endParaRPr>
+          </a:p>
+        </p:txBody>
+      </p:sp>
+      <p:sp>
+        <p:nvSpPr>
+          <p:cNvPr id="5" name="TextBox 4"/>
+          <p:cNvSpPr txBox="1"/>
+          <p:nvPr/>
+        </p:nvSpPr>
+        <p:spPr>
+          <a:xfrm>
+            <a:off x="674711" y="447755"/>
+            <a:ext cx="1029449" cy="1323439"/>
+          </a:xfrm>
+          <a:prstGeom prst="rect">
+            <a:avLst/>
+          </a:prstGeom>
+          <a:noFill/>
+        </p:spPr>
+        <p:txBody>
+          <a:bodyPr wrap="none" rtlCol="0">
+            <a:spAutoFit/>
+          </a:bodyPr>
+          <a:lstStyle/>
+          <a:p>
+            <a:r>
+              <a:rPr lang="en-US" sz="8000" b="1" dirty="0" smtClean="0">
+                <a:solidFill>
+                  <a:schemeClr val="bg2">
+                    <a:lumMod val="50000"/>
+                  </a:schemeClr>
+                </a:solidFill>
+                <a:latin typeface="Gill Sans Ultra Bold" panose="020B0A02020104020203" pitchFamily="34" charset="0"/>
+                <a:cs typeface="Times New Roman" panose="02020603050405020304" pitchFamily="18" charset="0"/>
+              </a:rPr>
+              <a:t>“</a:t>
+            </a:r>
+            <a:endParaRPr lang="en-US" sz="8000" b="1" dirty="0">
+              <a:solidFill>
+                <a:schemeClr val="bg2">
+                  <a:lumMod val="50000"/>
+                </a:schemeClr>
+              </a:solidFill>
+              <a:latin typeface="Gill Sans Ultra Bold" panose="020B0A02020104020203" pitchFamily="34" charset="0"/>
+              <a:cs typeface="Times New Roman" panose="02020603050405020304" pitchFamily="18" charset="0"/>
+            </a:endParaRPr>
+          </a:p>
+        </p:txBody>
+      </p:sp>
+      <p:cxnSp>
+        <p:nvCxnSpPr>
+          <p:cNvPr id="6" name="Straight Connector 5"/>
+          <p:cNvCxnSpPr/>
+          <p:nvPr/>
+        </p:nvCxnSpPr>
+        <p:spPr>
+          <a:xfrm>
+            <a:off x="674711" y="1501433"/>
+            <a:ext cx="10907689" cy="0"/>
+          </a:xfrm>
+          <a:prstGeom prst="line">
+            <a:avLst/>
+          </a:prstGeom>
+          <a:ln w="28575">
+            <a:solidFill>
+              <a:schemeClr val="bg2">
+                <a:lumMod val="50000"/>
+              </a:schemeClr>
+            </a:solidFill>
+            <a:prstDash val="solid"/>
+          </a:ln>
+        </p:spPr>
+        <p:style>
+          <a:lnRef idx="1">
+            <a:schemeClr val="dk1"/>
+          </a:lnRef>
+          <a:fillRef idx="0">
+            <a:schemeClr val="dk1"/>
+          </a:fillRef>
+          <a:effectRef idx="0">
+            <a:schemeClr val="dk1"/>
+          </a:effectRef>
+          <a:fontRef idx="minor">
+            <a:schemeClr val="tx1"/>
+          </a:fontRef>
+        </p:style>
+      </p:cxnSp>
+      <p:sp>
+        <p:nvSpPr>
+          <p:cNvPr id="7" name="TextBox 6"/>
+          <p:cNvSpPr txBox="1"/>
+          <p:nvPr/>
+        </p:nvSpPr>
+        <p:spPr>
+          <a:xfrm>
+            <a:off x="3162300" y="1637844"/>
+            <a:ext cx="8458200" cy="1569660"/>
+          </a:xfrm>
+          <a:prstGeom prst="rect">
+            <a:avLst/>
+          </a:prstGeom>
+          <a:noFill/>
+        </p:spPr>
+        <p:txBody>
+          <a:bodyPr wrap="square" rtlCol="0">
+            <a:spAutoFit/>
+          </a:bodyPr>
+          <a:lstStyle/>
+          <a:p>
+            <a:pPr lvl="0" algn="r"/>
+            <a:r>
+              <a:rPr lang="en-US" sz="2400" dirty="0" smtClean="0">
+                <a:solidFill>
+                  <a:schemeClr val="accent1">
+                    <a:lumMod val="50000"/>
+                  </a:schemeClr>
+                </a:solidFill>
+                <a:latin typeface="Roboto Condensed" pitchFamily="2" charset="0"/>
+                <a:ea typeface="Roboto Condensed" pitchFamily="2" charset="0"/>
+              </a:rPr>
+              <a:t>Kami </a:t>
+            </a:r>
+            <a:r>
+              <a:rPr lang="en-US" sz="2400" dirty="0" err="1" smtClean="0">
+                <a:solidFill>
+                  <a:schemeClr val="accent1">
+                    <a:lumMod val="50000"/>
+                  </a:schemeClr>
+                </a:solidFill>
+                <a:latin typeface="Roboto Condensed" pitchFamily="2" charset="0"/>
+                <a:ea typeface="Roboto Condensed" pitchFamily="2" charset="0"/>
+              </a:rPr>
+              <a:t>mencoba</a:t>
+            </a:r>
+            <a:r>
+              <a:rPr lang="en-US" sz="2400" dirty="0" smtClean="0">
+                <a:solidFill>
+                  <a:schemeClr val="accent1">
+                    <a:lumMod val="50000"/>
+                  </a:schemeClr>
+                </a:solidFill>
+                <a:latin typeface="Roboto Condensed" pitchFamily="2" charset="0"/>
+                <a:ea typeface="Roboto Condensed" pitchFamily="2" charset="0"/>
+              </a:rPr>
+              <a:t> </a:t>
+            </a:r>
+            <a:r>
+              <a:rPr lang="en-US" sz="2400" dirty="0" err="1" smtClean="0">
+                <a:solidFill>
+                  <a:schemeClr val="accent1">
+                    <a:lumMod val="50000"/>
+                  </a:schemeClr>
+                </a:solidFill>
+                <a:latin typeface="Roboto Condensed" pitchFamily="2" charset="0"/>
+                <a:ea typeface="Roboto Condensed" pitchFamily="2" charset="0"/>
+              </a:rPr>
+              <a:t>untuk</a:t>
+            </a:r>
+            <a:r>
+              <a:rPr lang="en-US" sz="2400" dirty="0" smtClean="0">
+                <a:solidFill>
+                  <a:schemeClr val="accent1">
+                    <a:lumMod val="50000"/>
+                  </a:schemeClr>
+                </a:solidFill>
+                <a:latin typeface="Roboto Condensed" pitchFamily="2" charset="0"/>
+                <a:ea typeface="Roboto Condensed" pitchFamily="2" charset="0"/>
+              </a:rPr>
+              <a:t> </a:t>
+            </a:r>
+            <a:r>
+              <a:rPr lang="en-US" sz="2400" dirty="0" err="1" smtClean="0">
+                <a:solidFill>
+                  <a:schemeClr val="accent1">
+                    <a:lumMod val="50000"/>
+                  </a:schemeClr>
+                </a:solidFill>
+                <a:latin typeface="Roboto Condensed" pitchFamily="2" charset="0"/>
+                <a:ea typeface="Roboto Condensed" pitchFamily="2" charset="0"/>
+              </a:rPr>
+              <a:t>menggabungkan</a:t>
+            </a:r>
+            <a:r>
+              <a:rPr lang="en-US" sz="2400" dirty="0" smtClean="0">
+                <a:solidFill>
+                  <a:schemeClr val="accent1">
+                    <a:lumMod val="50000"/>
+                  </a:schemeClr>
+                </a:solidFill>
+                <a:latin typeface="Roboto Condensed" pitchFamily="2" charset="0"/>
+                <a:ea typeface="Roboto Condensed" pitchFamily="2" charset="0"/>
+              </a:rPr>
+              <a:t> </a:t>
+            </a:r>
+            <a:r>
+              <a:rPr lang="en-US" sz="2400" dirty="0" err="1" smtClean="0">
+                <a:solidFill>
+                  <a:schemeClr val="accent1">
+                    <a:lumMod val="50000"/>
+                  </a:schemeClr>
+                </a:solidFill>
+                <a:latin typeface="Roboto Condensed" pitchFamily="2" charset="0"/>
+                <a:ea typeface="Roboto Condensed" pitchFamily="2" charset="0"/>
+              </a:rPr>
+              <a:t>komoditi</a:t>
+            </a:r>
+            <a:r>
+              <a:rPr lang="en-US" sz="2400" dirty="0" smtClean="0">
+                <a:solidFill>
+                  <a:schemeClr val="accent1">
+                    <a:lumMod val="50000"/>
+                  </a:schemeClr>
+                </a:solidFill>
+                <a:latin typeface="Roboto Condensed" pitchFamily="2" charset="0"/>
+                <a:ea typeface="Roboto Condensed" pitchFamily="2" charset="0"/>
+              </a:rPr>
+              <a:t> online shop yang </a:t>
+            </a:r>
+            <a:r>
+              <a:rPr lang="en-US" sz="2400" dirty="0" err="1" smtClean="0">
+                <a:solidFill>
+                  <a:schemeClr val="accent1">
+                    <a:lumMod val="50000"/>
+                  </a:schemeClr>
+                </a:solidFill>
+                <a:latin typeface="Roboto Condensed" pitchFamily="2" charset="0"/>
+                <a:ea typeface="Roboto Condensed" pitchFamily="2" charset="0"/>
+              </a:rPr>
+              <a:t>sedang</a:t>
+            </a:r>
+            <a:r>
+              <a:rPr lang="en-US" sz="2400" dirty="0" smtClean="0">
+                <a:solidFill>
+                  <a:schemeClr val="accent1">
+                    <a:lumMod val="50000"/>
+                  </a:schemeClr>
+                </a:solidFill>
+                <a:latin typeface="Roboto Condensed" pitchFamily="2" charset="0"/>
+                <a:ea typeface="Roboto Condensed" pitchFamily="2" charset="0"/>
+              </a:rPr>
+              <a:t> booming </a:t>
+            </a:r>
+            <a:r>
+              <a:rPr lang="en-US" sz="2400" dirty="0" err="1" smtClean="0">
+                <a:solidFill>
+                  <a:schemeClr val="accent1">
+                    <a:lumMod val="50000"/>
+                  </a:schemeClr>
+                </a:solidFill>
+                <a:latin typeface="Roboto Condensed" pitchFamily="2" charset="0"/>
+                <a:ea typeface="Roboto Condensed" pitchFamily="2" charset="0"/>
+              </a:rPr>
+              <a:t>dengan</a:t>
+            </a:r>
+            <a:r>
+              <a:rPr lang="en-US" sz="2400" dirty="0" smtClean="0">
+                <a:solidFill>
+                  <a:schemeClr val="accent1">
+                    <a:lumMod val="50000"/>
+                  </a:schemeClr>
+                </a:solidFill>
+                <a:latin typeface="Roboto Condensed" pitchFamily="2" charset="0"/>
+                <a:ea typeface="Roboto Condensed" pitchFamily="2" charset="0"/>
+              </a:rPr>
+              <a:t> </a:t>
+            </a:r>
+            <a:r>
+              <a:rPr lang="en-US" sz="2400" dirty="0" err="1" smtClean="0">
+                <a:solidFill>
+                  <a:schemeClr val="accent1">
+                    <a:lumMod val="50000"/>
+                  </a:schemeClr>
+                </a:solidFill>
+                <a:latin typeface="Roboto Condensed" pitchFamily="2" charset="0"/>
+                <a:ea typeface="Roboto Condensed" pitchFamily="2" charset="0"/>
+              </a:rPr>
+              <a:t>suatu</a:t>
+            </a:r>
+            <a:r>
+              <a:rPr lang="en-US" sz="2400" dirty="0" smtClean="0">
+                <a:solidFill>
+                  <a:schemeClr val="accent1">
+                    <a:lumMod val="50000"/>
+                  </a:schemeClr>
+                </a:solidFill>
+                <a:latin typeface="Roboto Condensed" pitchFamily="2" charset="0"/>
+                <a:ea typeface="Roboto Condensed" pitchFamily="2" charset="0"/>
+              </a:rPr>
+              <a:t> </a:t>
+            </a:r>
+            <a:r>
+              <a:rPr lang="en-US" sz="2400" dirty="0" err="1" smtClean="0">
+                <a:solidFill>
+                  <a:schemeClr val="accent1">
+                    <a:lumMod val="50000"/>
+                  </a:schemeClr>
+                </a:solidFill>
+                <a:latin typeface="Roboto Condensed" pitchFamily="2" charset="0"/>
+                <a:ea typeface="Roboto Condensed" pitchFamily="2" charset="0"/>
+              </a:rPr>
+              <a:t>kegiatan</a:t>
+            </a:r>
+            <a:r>
+              <a:rPr lang="en-US" sz="2400" dirty="0" smtClean="0">
+                <a:solidFill>
+                  <a:schemeClr val="accent1">
+                    <a:lumMod val="50000"/>
+                  </a:schemeClr>
+                </a:solidFill>
+                <a:latin typeface="Roboto Condensed" pitchFamily="2" charset="0"/>
+                <a:ea typeface="Roboto Condensed" pitchFamily="2" charset="0"/>
+              </a:rPr>
+              <a:t> </a:t>
+            </a:r>
+            <a:r>
+              <a:rPr lang="en-US" sz="2400" dirty="0" err="1" smtClean="0">
+                <a:solidFill>
+                  <a:schemeClr val="accent1">
+                    <a:lumMod val="50000"/>
+                  </a:schemeClr>
+                </a:solidFill>
+                <a:latin typeface="Roboto Condensed" pitchFamily="2" charset="0"/>
+                <a:ea typeface="Roboto Condensed" pitchFamily="2" charset="0"/>
+              </a:rPr>
+              <a:t>sosial</a:t>
+            </a:r>
+            <a:r>
+              <a:rPr lang="en-US" sz="2400" dirty="0" smtClean="0">
+                <a:solidFill>
+                  <a:schemeClr val="accent1">
+                    <a:lumMod val="50000"/>
+                  </a:schemeClr>
+                </a:solidFill>
+                <a:latin typeface="Roboto Condensed" pitchFamily="2" charset="0"/>
+                <a:ea typeface="Roboto Condensed" pitchFamily="2" charset="0"/>
+              </a:rPr>
+              <a:t> (</a:t>
+            </a:r>
+            <a:r>
+              <a:rPr lang="en-US" sz="2400" dirty="0" err="1" smtClean="0">
+                <a:solidFill>
+                  <a:schemeClr val="accent1">
+                    <a:lumMod val="50000"/>
+                  </a:schemeClr>
+                </a:solidFill>
+                <a:latin typeface="Roboto Condensed" pitchFamily="2" charset="0"/>
+                <a:ea typeface="Roboto Condensed" pitchFamily="2" charset="0"/>
+              </a:rPr>
+              <a:t>menyumbang</a:t>
+            </a:r>
+            <a:r>
+              <a:rPr lang="en-US" sz="2400" dirty="0" smtClean="0">
+                <a:solidFill>
+                  <a:schemeClr val="accent1">
+                    <a:lumMod val="50000"/>
+                  </a:schemeClr>
+                </a:solidFill>
+                <a:latin typeface="Roboto Condensed" pitchFamily="2" charset="0"/>
+                <a:ea typeface="Roboto Condensed" pitchFamily="2" charset="0"/>
+              </a:rPr>
+              <a:t>). </a:t>
+            </a:r>
+          </a:p>
+          <a:p>
+            <a:pPr lvl="0" algn="r"/>
+            <a:r>
+              <a:rPr lang="en-US" sz="2400" dirty="0" err="1" smtClean="0">
+                <a:solidFill>
+                  <a:schemeClr val="accent1">
+                    <a:lumMod val="50000"/>
+                  </a:schemeClr>
+                </a:solidFill>
+                <a:latin typeface="Roboto Condensed" pitchFamily="2" charset="0"/>
+                <a:ea typeface="Roboto Condensed" pitchFamily="2" charset="0"/>
+              </a:rPr>
+              <a:t>Hasil</a:t>
+            </a:r>
+            <a:r>
+              <a:rPr lang="en-US" sz="2400" dirty="0" smtClean="0">
+                <a:solidFill>
+                  <a:schemeClr val="accent1">
+                    <a:lumMod val="50000"/>
+                  </a:schemeClr>
+                </a:solidFill>
+                <a:latin typeface="Roboto Condensed" pitchFamily="2" charset="0"/>
+                <a:ea typeface="Roboto Condensed" pitchFamily="2" charset="0"/>
+              </a:rPr>
+              <a:t> </a:t>
+            </a:r>
+            <a:r>
+              <a:rPr lang="en-US" sz="2400" dirty="0" err="1" smtClean="0">
+                <a:solidFill>
+                  <a:schemeClr val="accent1">
+                    <a:lumMod val="50000"/>
+                  </a:schemeClr>
+                </a:solidFill>
+                <a:latin typeface="Roboto Condensed" pitchFamily="2" charset="0"/>
+                <a:ea typeface="Roboto Condensed" pitchFamily="2" charset="0"/>
+              </a:rPr>
+              <a:t>pemikiran</a:t>
+            </a:r>
+            <a:r>
+              <a:rPr lang="en-US" sz="2400" dirty="0" smtClean="0">
+                <a:solidFill>
+                  <a:schemeClr val="accent1">
+                    <a:lumMod val="50000"/>
+                  </a:schemeClr>
+                </a:solidFill>
+                <a:latin typeface="Roboto Condensed" pitchFamily="2" charset="0"/>
+                <a:ea typeface="Roboto Condensed" pitchFamily="2" charset="0"/>
+              </a:rPr>
+              <a:t> </a:t>
+            </a:r>
+            <a:r>
+              <a:rPr lang="en-US" sz="2400" dirty="0" err="1" smtClean="0">
+                <a:solidFill>
+                  <a:schemeClr val="accent1">
+                    <a:lumMod val="50000"/>
+                  </a:schemeClr>
+                </a:solidFill>
+                <a:latin typeface="Roboto Condensed" pitchFamily="2" charset="0"/>
+                <a:ea typeface="Roboto Condensed" pitchFamily="2" charset="0"/>
+              </a:rPr>
+              <a:t>untuk</a:t>
+            </a:r>
+            <a:r>
+              <a:rPr lang="en-US" sz="2400" dirty="0" smtClean="0">
+                <a:solidFill>
+                  <a:schemeClr val="accent1">
+                    <a:lumMod val="50000"/>
+                  </a:schemeClr>
+                </a:solidFill>
+                <a:latin typeface="Roboto Condensed" pitchFamily="2" charset="0"/>
+                <a:ea typeface="Roboto Condensed" pitchFamily="2" charset="0"/>
+              </a:rPr>
+              <a:t> </a:t>
+            </a:r>
+            <a:r>
+              <a:rPr lang="en-US" sz="2400" dirty="0" err="1" smtClean="0">
+                <a:solidFill>
+                  <a:schemeClr val="accent1">
+                    <a:lumMod val="50000"/>
+                  </a:schemeClr>
+                </a:solidFill>
+                <a:latin typeface="Roboto Condensed" pitchFamily="2" charset="0"/>
+                <a:ea typeface="Roboto Condensed" pitchFamily="2" charset="0"/>
+              </a:rPr>
+              <a:t>meleburkan</a:t>
+            </a:r>
+            <a:r>
+              <a:rPr lang="en-US" sz="2400" dirty="0" smtClean="0">
+                <a:solidFill>
+                  <a:schemeClr val="accent1">
+                    <a:lumMod val="50000"/>
+                  </a:schemeClr>
+                </a:solidFill>
+                <a:latin typeface="Roboto Condensed" pitchFamily="2" charset="0"/>
+                <a:ea typeface="Roboto Condensed" pitchFamily="2" charset="0"/>
+              </a:rPr>
+              <a:t> </a:t>
+            </a:r>
+            <a:r>
+              <a:rPr lang="en-US" sz="2400" dirty="0" err="1" smtClean="0">
+                <a:solidFill>
+                  <a:schemeClr val="accent1">
+                    <a:lumMod val="50000"/>
+                  </a:schemeClr>
+                </a:solidFill>
+                <a:latin typeface="Roboto Condensed" pitchFamily="2" charset="0"/>
+                <a:ea typeface="Roboto Condensed" pitchFamily="2" charset="0"/>
+              </a:rPr>
+              <a:t>bisnis</a:t>
+            </a:r>
+            <a:r>
+              <a:rPr lang="en-US" sz="2400" dirty="0" smtClean="0">
+                <a:solidFill>
+                  <a:schemeClr val="accent1">
+                    <a:lumMod val="50000"/>
+                  </a:schemeClr>
+                </a:solidFill>
+                <a:latin typeface="Roboto Condensed" pitchFamily="2" charset="0"/>
+                <a:ea typeface="Roboto Condensed" pitchFamily="2" charset="0"/>
+              </a:rPr>
+              <a:t> </a:t>
+            </a:r>
+            <a:r>
+              <a:rPr lang="en-US" sz="2400" dirty="0" err="1" smtClean="0">
+                <a:solidFill>
+                  <a:schemeClr val="accent1">
+                    <a:lumMod val="50000"/>
+                  </a:schemeClr>
+                </a:solidFill>
+                <a:latin typeface="Roboto Condensed" pitchFamily="2" charset="0"/>
+                <a:ea typeface="Roboto Condensed" pitchFamily="2" charset="0"/>
+              </a:rPr>
+              <a:t>dengan</a:t>
+            </a:r>
+            <a:r>
+              <a:rPr lang="en-US" sz="2400" dirty="0" smtClean="0">
+                <a:solidFill>
+                  <a:schemeClr val="accent1">
+                    <a:lumMod val="50000"/>
+                  </a:schemeClr>
+                </a:solidFill>
+                <a:latin typeface="Roboto Condensed" pitchFamily="2" charset="0"/>
+                <a:ea typeface="Roboto Condensed" pitchFamily="2" charset="0"/>
+              </a:rPr>
+              <a:t> social ! </a:t>
+            </a:r>
+          </a:p>
+          <a:p>
+            <a:pPr lvl="0" algn="r"/>
+            <a:r>
+              <a:rPr lang="en-US" sz="2400" i="1" dirty="0" smtClean="0">
+                <a:solidFill>
+                  <a:schemeClr val="accent1">
+                    <a:lumMod val="50000"/>
+                  </a:schemeClr>
+                </a:solidFill>
+                <a:latin typeface="Roboto Condensed" pitchFamily="2" charset="0"/>
+                <a:ea typeface="Roboto Condensed" pitchFamily="2" charset="0"/>
+              </a:rPr>
+              <a:t>Social </a:t>
+            </a:r>
+            <a:r>
+              <a:rPr lang="en-US" sz="2400" i="1" dirty="0" err="1" smtClean="0">
+                <a:solidFill>
+                  <a:schemeClr val="accent1">
+                    <a:lumMod val="50000"/>
+                  </a:schemeClr>
+                </a:solidFill>
+                <a:latin typeface="Roboto Condensed" pitchFamily="2" charset="0"/>
+                <a:ea typeface="Roboto Condensed" pitchFamily="2" charset="0"/>
+              </a:rPr>
+              <a:t>Enterpreneurship</a:t>
+            </a:r>
+            <a:r>
+              <a:rPr lang="en-US" sz="2400" i="1" dirty="0" smtClean="0">
+                <a:solidFill>
+                  <a:schemeClr val="accent1">
+                    <a:lumMod val="50000"/>
+                  </a:schemeClr>
+                </a:solidFill>
+                <a:latin typeface="Roboto Condensed" pitchFamily="2" charset="0"/>
+                <a:ea typeface="Roboto Condensed" pitchFamily="2" charset="0"/>
+              </a:rPr>
+              <a:t> </a:t>
+            </a:r>
+            <a:r>
+              <a:rPr lang="en-US" sz="2400" dirty="0" smtClean="0">
+                <a:solidFill>
+                  <a:schemeClr val="accent1">
+                    <a:lumMod val="50000"/>
+                  </a:schemeClr>
+                </a:solidFill>
+                <a:latin typeface="Roboto Condensed" pitchFamily="2" charset="0"/>
+                <a:ea typeface="Roboto Condensed" pitchFamily="2" charset="0"/>
+              </a:rPr>
+              <a:t>!</a:t>
+            </a:r>
+            <a:endParaRPr lang="en-US" sz="2400" i="1" dirty="0" smtClean="0">
+              <a:solidFill>
+                <a:schemeClr val="accent1">
+                  <a:lumMod val="50000"/>
+                </a:schemeClr>
+              </a:solidFill>
+              <a:latin typeface="Roboto Condensed" pitchFamily="2" charset="0"/>
+              <a:ea typeface="Roboto Condensed" pitchFamily="2" charset="0"/>
+            </a:endParaRPr>
+          </a:p>
+        </p:txBody>
+      </p:sp>
+    </p:spTree>
+    <p:extLst>
+      <p:ext uri="{BB962C8B-B14F-4D97-AF65-F5344CB8AC3E}">
+        <p14:creationId xmlns:p14="http://schemas.microsoft.com/office/powerpoint/2010/main" val="464155037"/>
+      </p:ext>
+    </p:extLst>
+  </p:cSld>
+  <p:clrMapOvr>
+    <a:masterClrMapping/>
+  </p:clrMapOvr>
+  <p:timing>
+    <p:tnLst>
+      <p:par>
+        <p:cTn id="1" dur="indefinite" restart="never" nodeType="tmRoot"/>
+      </p:par>
+    </p:tnLst>
+  </p:timing>
+</p:sld>
+</file>
+
+<file path=ppt/slides/slide7.xml><?xml version="1.0" encoding="utf-8"?>
+<p:sld xmlns:a="http://schemas.openxmlformats.org/drawingml/2006/main" xmlns:r="http://schemas.openxmlformats.org/officeDocument/2006/relationships" xmlns:p="http://schemas.openxmlformats.org/presentationml/2006/main">
+  <p:cSld>
+    <p:bg>
+      <p:bgPr>
+        <a:solidFill>
+          <a:schemeClr val="bg1">
+            <a:lumMod val="95000"/>
+          </a:schemeClr>
+        </a:solidFill>
+        <a:effectLst/>
+      </p:bgPr>
+    </p:bg>
+    <p:spTree>
+      <p:nvGrpSpPr>
+        <p:cNvPr id="1" name=""/>
+        <p:cNvGrpSpPr/>
+        <p:nvPr/>
+      </p:nvGrpSpPr>
+      <p:grpSpPr>
+        <a:xfrm>
+          <a:off x="0" y="0"/>
+          <a:ext cx="0" cy="0"/>
+          <a:chOff x="0" y="0"/>
+          <a:chExt cx="0" cy="0"/>
+        </a:xfrm>
+      </p:grpSpPr>
+      <p:sp>
+        <p:nvSpPr>
+          <p:cNvPr id="4" name="TextBox 3"/>
+          <p:cNvSpPr txBox="1"/>
+          <p:nvPr/>
+        </p:nvSpPr>
+        <p:spPr>
+          <a:xfrm>
+            <a:off x="0" y="2724150"/>
+            <a:ext cx="10865282" cy="4508927"/>
+          </a:xfrm>
+          <a:prstGeom prst="rect">
+            <a:avLst/>
+          </a:prstGeom>
+          <a:noFill/>
+        </p:spPr>
+        <p:txBody>
+          <a:bodyPr wrap="none" rtlCol="0">
+            <a:spAutoFit/>
+          </a:bodyPr>
+          <a:lstStyle/>
+          <a:p>
+            <a:r>
+              <a:rPr lang="en-US" sz="28700" dirty="0" smtClean="0">
+                <a:solidFill>
+                  <a:schemeClr val="bg1">
+                    <a:lumMod val="85000"/>
+                  </a:schemeClr>
+                </a:solidFill>
+                <a:latin typeface="Bebas" pitchFamily="2" charset="0"/>
+              </a:rPr>
+              <a:t>WHEN?</a:t>
+            </a:r>
+            <a:endParaRPr lang="en-US" sz="28700" dirty="0">
+              <a:solidFill>
+                <a:schemeClr val="bg1">
+                  <a:lumMod val="85000"/>
+                </a:schemeClr>
+              </a:solidFill>
+              <a:latin typeface="Bebas" pitchFamily="2" charset="0"/>
+            </a:endParaRPr>
+          </a:p>
+        </p:txBody>
+      </p:sp>
+      <p:sp>
+        <p:nvSpPr>
+          <p:cNvPr id="5" name="TextBox 4"/>
+          <p:cNvSpPr txBox="1"/>
+          <p:nvPr/>
+        </p:nvSpPr>
+        <p:spPr>
+          <a:xfrm>
+            <a:off x="674711" y="447755"/>
+            <a:ext cx="1029449" cy="1323439"/>
+          </a:xfrm>
+          <a:prstGeom prst="rect">
+            <a:avLst/>
+          </a:prstGeom>
+          <a:noFill/>
+        </p:spPr>
+        <p:txBody>
+          <a:bodyPr wrap="none" rtlCol="0">
+            <a:spAutoFit/>
+          </a:bodyPr>
+          <a:lstStyle/>
+          <a:p>
+            <a:r>
+              <a:rPr lang="en-US" sz="8000" b="1" dirty="0" smtClean="0">
+                <a:solidFill>
+                  <a:schemeClr val="bg2">
+                    <a:lumMod val="50000"/>
+                  </a:schemeClr>
+                </a:solidFill>
+                <a:latin typeface="Gill Sans Ultra Bold" panose="020B0A02020104020203" pitchFamily="34" charset="0"/>
+                <a:cs typeface="Times New Roman" panose="02020603050405020304" pitchFamily="18" charset="0"/>
+              </a:rPr>
+              <a:t>“</a:t>
+            </a:r>
+            <a:endParaRPr lang="en-US" sz="8000" b="1" dirty="0">
+              <a:solidFill>
+                <a:schemeClr val="bg2">
+                  <a:lumMod val="50000"/>
+                </a:schemeClr>
+              </a:solidFill>
+              <a:latin typeface="Gill Sans Ultra Bold" panose="020B0A02020104020203" pitchFamily="34" charset="0"/>
+              <a:cs typeface="Times New Roman" panose="02020603050405020304" pitchFamily="18" charset="0"/>
+            </a:endParaRPr>
+          </a:p>
+        </p:txBody>
+      </p:sp>
+      <p:cxnSp>
+        <p:nvCxnSpPr>
+          <p:cNvPr id="6" name="Straight Connector 5"/>
+          <p:cNvCxnSpPr/>
+          <p:nvPr/>
+        </p:nvCxnSpPr>
+        <p:spPr>
+          <a:xfrm>
+            <a:off x="674711" y="1501433"/>
+            <a:ext cx="10907689" cy="0"/>
+          </a:xfrm>
+          <a:prstGeom prst="line">
+            <a:avLst/>
+          </a:prstGeom>
+          <a:ln w="28575">
+            <a:solidFill>
+              <a:schemeClr val="bg2">
+                <a:lumMod val="50000"/>
+              </a:schemeClr>
+            </a:solidFill>
+            <a:prstDash val="solid"/>
+          </a:ln>
+        </p:spPr>
+        <p:style>
+          <a:lnRef idx="1">
+            <a:schemeClr val="dk1"/>
+          </a:lnRef>
+          <a:fillRef idx="0">
+            <a:schemeClr val="dk1"/>
+          </a:fillRef>
+          <a:effectRef idx="0">
+            <a:schemeClr val="dk1"/>
+          </a:effectRef>
+          <a:fontRef idx="minor">
+            <a:schemeClr val="tx1"/>
+          </a:fontRef>
+        </p:style>
+      </p:cxnSp>
+      <p:sp>
+        <p:nvSpPr>
+          <p:cNvPr id="7" name="TextBox 6"/>
+          <p:cNvSpPr txBox="1"/>
+          <p:nvPr/>
+        </p:nvSpPr>
+        <p:spPr>
+          <a:xfrm>
+            <a:off x="6172200" y="1637844"/>
+            <a:ext cx="5448300" cy="461665"/>
+          </a:xfrm>
+          <a:prstGeom prst="rect">
+            <a:avLst/>
+          </a:prstGeom>
+          <a:noFill/>
+        </p:spPr>
+        <p:txBody>
+          <a:bodyPr wrap="square" rtlCol="0">
+            <a:spAutoFit/>
+          </a:bodyPr>
+          <a:lstStyle/>
+          <a:p>
+            <a:pPr algn="r"/>
+            <a:r>
+              <a:rPr lang="en-US" sz="2400" dirty="0" smtClean="0">
+                <a:solidFill>
+                  <a:schemeClr val="accent1">
+                    <a:lumMod val="50000"/>
+                  </a:schemeClr>
+                </a:solidFill>
+              </a:rPr>
+              <a:t>Data </a:t>
+            </a:r>
+            <a:r>
+              <a:rPr lang="en-US" sz="2400" dirty="0" err="1">
+                <a:solidFill>
+                  <a:schemeClr val="accent1">
+                    <a:lumMod val="50000"/>
+                  </a:schemeClr>
+                </a:solidFill>
+              </a:rPr>
+              <a:t>dapat</a:t>
+            </a:r>
+            <a:r>
+              <a:rPr lang="en-US" sz="2400" dirty="0">
+                <a:solidFill>
+                  <a:schemeClr val="accent1">
+                    <a:lumMod val="50000"/>
+                  </a:schemeClr>
+                </a:solidFill>
+              </a:rPr>
+              <a:t> </a:t>
+            </a:r>
+            <a:r>
+              <a:rPr lang="en-US" sz="2400" dirty="0" err="1">
+                <a:solidFill>
+                  <a:schemeClr val="accent1">
+                    <a:lumMod val="50000"/>
+                  </a:schemeClr>
+                </a:solidFill>
+              </a:rPr>
+              <a:t>diperoleh</a:t>
+            </a:r>
+            <a:r>
+              <a:rPr lang="en-US" sz="2400" dirty="0">
+                <a:solidFill>
+                  <a:schemeClr val="accent1">
+                    <a:lumMod val="50000"/>
+                  </a:schemeClr>
+                </a:solidFill>
+              </a:rPr>
+              <a:t> </a:t>
+            </a:r>
+            <a:r>
+              <a:rPr lang="en-US" sz="2400" dirty="0" err="1">
+                <a:solidFill>
+                  <a:schemeClr val="accent1">
+                    <a:lumMod val="50000"/>
+                  </a:schemeClr>
+                </a:solidFill>
+              </a:rPr>
+              <a:t>dan</a:t>
+            </a:r>
+            <a:r>
+              <a:rPr lang="en-US" sz="2400" dirty="0">
+                <a:solidFill>
+                  <a:schemeClr val="accent1">
+                    <a:lumMod val="50000"/>
+                  </a:schemeClr>
+                </a:solidFill>
+              </a:rPr>
+              <a:t> </a:t>
+            </a:r>
+            <a:r>
+              <a:rPr lang="en-US" sz="2400" dirty="0" err="1">
+                <a:solidFill>
+                  <a:schemeClr val="accent1">
+                    <a:lumMod val="50000"/>
+                  </a:schemeClr>
+                </a:solidFill>
+              </a:rPr>
+              <a:t>dicari</a:t>
+            </a:r>
+            <a:r>
+              <a:rPr lang="en-US" sz="2400" dirty="0">
+                <a:solidFill>
+                  <a:schemeClr val="accent1">
+                    <a:lumMod val="50000"/>
+                  </a:schemeClr>
+                </a:solidFill>
+              </a:rPr>
+              <a:t> </a:t>
+            </a:r>
+            <a:r>
+              <a:rPr lang="en-US" sz="2400" dirty="0" err="1">
+                <a:solidFill>
+                  <a:schemeClr val="accent1">
+                    <a:lumMod val="50000"/>
+                  </a:schemeClr>
+                </a:solidFill>
+              </a:rPr>
+              <a:t>kapanpun</a:t>
+            </a:r>
+            <a:endParaRPr lang="en-US" sz="2400" dirty="0">
+              <a:solidFill>
+                <a:schemeClr val="accent1">
+                  <a:lumMod val="50000"/>
+                </a:schemeClr>
+              </a:solidFill>
+              <a:latin typeface="Roboto Condensed" pitchFamily="2" charset="0"/>
+              <a:ea typeface="Roboto Condensed" pitchFamily="2" charset="0"/>
+            </a:endParaRPr>
+          </a:p>
+        </p:txBody>
+      </p:sp>
+    </p:spTree>
+    <p:extLst>
+      <p:ext uri="{BB962C8B-B14F-4D97-AF65-F5344CB8AC3E}">
+        <p14:creationId xmlns:p14="http://schemas.microsoft.com/office/powerpoint/2010/main" val="2338215703"/>
+      </p:ext>
+    </p:extLst>
+  </p:cSld>
+  <p:clrMapOvr>
+    <a:masterClrMapping/>
+  </p:clrMapOvr>
+  <p:timing>
+    <p:tnLst>
+      <p:par>
+        <p:cTn id="1" dur="indefinite" restart="never" nodeType="tmRoot"/>
+      </p:par>
+    </p:tnLst>
+  </p:timing>
+</p:sld>
+</file>
+
+<file path=ppt/slides/slide8.xml><?xml version="1.0" encoding="utf-8"?>
+<p:sld xmlns:a="http://schemas.openxmlformats.org/drawingml/2006/main" xmlns:r="http://schemas.openxmlformats.org/officeDocument/2006/relationships" xmlns:p="http://schemas.openxmlformats.org/presentationml/2006/main">
+  <p:cSld>
+    <p:bg>
+      <p:bgPr>
+        <a:solidFill>
+          <a:schemeClr val="bg1">
+            <a:lumMod val="95000"/>
+          </a:schemeClr>
+        </a:solidFill>
+        <a:effectLst/>
+      </p:bgPr>
+    </p:bg>
+    <p:spTree>
+      <p:nvGrpSpPr>
+        <p:cNvPr id="1" name=""/>
+        <p:cNvGrpSpPr/>
+        <p:nvPr/>
+      </p:nvGrpSpPr>
+      <p:grpSpPr>
+        <a:xfrm>
+          <a:off x="0" y="0"/>
+          <a:ext cx="0" cy="0"/>
+          <a:chOff x="0" y="0"/>
+          <a:chExt cx="0" cy="0"/>
+        </a:xfrm>
+      </p:grpSpPr>
+      <p:sp>
+        <p:nvSpPr>
+          <p:cNvPr id="4" name="TextBox 3"/>
+          <p:cNvSpPr txBox="1"/>
+          <p:nvPr/>
+        </p:nvSpPr>
+        <p:spPr>
+          <a:xfrm>
+            <a:off x="0" y="2724150"/>
+            <a:ext cx="8976496" cy="4508927"/>
+          </a:xfrm>
+          <a:prstGeom prst="rect">
+            <a:avLst/>
+          </a:prstGeom>
+          <a:noFill/>
+        </p:spPr>
+        <p:txBody>
+          <a:bodyPr wrap="none" rtlCol="0">
+            <a:spAutoFit/>
+          </a:bodyPr>
+          <a:lstStyle/>
+          <a:p>
+            <a:r>
+              <a:rPr lang="en-US" sz="28700" dirty="0" smtClean="0">
+                <a:solidFill>
+                  <a:schemeClr val="bg1">
+                    <a:lumMod val="85000"/>
+                  </a:schemeClr>
+                </a:solidFill>
+                <a:latin typeface="Bebas" pitchFamily="2" charset="0"/>
+              </a:rPr>
+              <a:t>WHO?</a:t>
+            </a:r>
+            <a:endParaRPr lang="en-US" sz="28700" dirty="0">
+              <a:solidFill>
+                <a:schemeClr val="bg1">
+                  <a:lumMod val="85000"/>
+                </a:schemeClr>
+              </a:solidFill>
+              <a:latin typeface="Bebas" pitchFamily="2" charset="0"/>
+            </a:endParaRPr>
+          </a:p>
+        </p:txBody>
+      </p:sp>
+      <p:sp>
+        <p:nvSpPr>
+          <p:cNvPr id="5" name="TextBox 4"/>
+          <p:cNvSpPr txBox="1"/>
+          <p:nvPr/>
+        </p:nvSpPr>
+        <p:spPr>
+          <a:xfrm>
+            <a:off x="674711" y="447755"/>
+            <a:ext cx="1029449" cy="1323439"/>
+          </a:xfrm>
+          <a:prstGeom prst="rect">
+            <a:avLst/>
+          </a:prstGeom>
+          <a:noFill/>
+        </p:spPr>
+        <p:txBody>
+          <a:bodyPr wrap="none" rtlCol="0">
+            <a:spAutoFit/>
+          </a:bodyPr>
+          <a:lstStyle/>
+          <a:p>
+            <a:r>
+              <a:rPr lang="en-US" sz="8000" b="1" dirty="0" smtClean="0">
+                <a:solidFill>
+                  <a:schemeClr val="bg2">
+                    <a:lumMod val="50000"/>
+                  </a:schemeClr>
+                </a:solidFill>
+                <a:latin typeface="Gill Sans Ultra Bold" panose="020B0A02020104020203" pitchFamily="34" charset="0"/>
+                <a:cs typeface="Times New Roman" panose="02020603050405020304" pitchFamily="18" charset="0"/>
+              </a:rPr>
+              <a:t>“</a:t>
+            </a:r>
+            <a:endParaRPr lang="en-US" sz="8000" b="1" dirty="0">
+              <a:solidFill>
+                <a:schemeClr val="bg2">
+                  <a:lumMod val="50000"/>
+                </a:schemeClr>
+              </a:solidFill>
+              <a:latin typeface="Gill Sans Ultra Bold" panose="020B0A02020104020203" pitchFamily="34" charset="0"/>
+              <a:cs typeface="Times New Roman" panose="02020603050405020304" pitchFamily="18" charset="0"/>
+            </a:endParaRPr>
+          </a:p>
+        </p:txBody>
+      </p:sp>
+      <p:cxnSp>
+        <p:nvCxnSpPr>
+          <p:cNvPr id="6" name="Straight Connector 5"/>
+          <p:cNvCxnSpPr/>
+          <p:nvPr/>
+        </p:nvCxnSpPr>
+        <p:spPr>
+          <a:xfrm>
+            <a:off x="674711" y="1501433"/>
+            <a:ext cx="10907689" cy="0"/>
+          </a:xfrm>
+          <a:prstGeom prst="line">
+            <a:avLst/>
+          </a:prstGeom>
+          <a:ln w="28575">
+            <a:solidFill>
+              <a:schemeClr val="bg2">
+                <a:lumMod val="50000"/>
+              </a:schemeClr>
+            </a:solidFill>
+            <a:prstDash val="solid"/>
+          </a:ln>
+        </p:spPr>
+        <p:style>
+          <a:lnRef idx="1">
+            <a:schemeClr val="dk1"/>
+          </a:lnRef>
+          <a:fillRef idx="0">
+            <a:schemeClr val="dk1"/>
+          </a:fillRef>
+          <a:effectRef idx="0">
+            <a:schemeClr val="dk1"/>
+          </a:effectRef>
+          <a:fontRef idx="minor">
+            <a:schemeClr val="tx1"/>
+          </a:fontRef>
+        </p:style>
+      </p:cxnSp>
+      <p:sp>
+        <p:nvSpPr>
+          <p:cNvPr id="7" name="TextBox 6"/>
+          <p:cNvSpPr txBox="1"/>
+          <p:nvPr/>
+        </p:nvSpPr>
+        <p:spPr>
+          <a:xfrm>
+            <a:off x="4724400" y="1637844"/>
+            <a:ext cx="6896100" cy="830997"/>
+          </a:xfrm>
+          <a:prstGeom prst="rect">
+            <a:avLst/>
+          </a:prstGeom>
+          <a:noFill/>
+        </p:spPr>
+        <p:txBody>
+          <a:bodyPr wrap="square" rtlCol="0">
+            <a:spAutoFit/>
+          </a:bodyPr>
+          <a:lstStyle/>
+          <a:p>
+            <a:pPr algn="r"/>
+            <a:r>
+              <a:rPr lang="en-US" sz="2400" dirty="0" smtClean="0">
+                <a:solidFill>
+                  <a:schemeClr val="accent1">
+                    <a:lumMod val="50000"/>
+                  </a:schemeClr>
+                </a:solidFill>
+              </a:rPr>
+              <a:t>Target </a:t>
+            </a:r>
+            <a:r>
+              <a:rPr lang="en-US" sz="2400" dirty="0" err="1" smtClean="0">
+                <a:solidFill>
+                  <a:schemeClr val="accent1">
+                    <a:lumMod val="50000"/>
+                  </a:schemeClr>
+                </a:solidFill>
+              </a:rPr>
+              <a:t>pencarian</a:t>
+            </a:r>
+            <a:r>
+              <a:rPr lang="en-US" sz="2400" dirty="0" smtClean="0">
+                <a:solidFill>
+                  <a:schemeClr val="accent1">
+                    <a:lumMod val="50000"/>
+                  </a:schemeClr>
+                </a:solidFill>
+              </a:rPr>
+              <a:t> data yang kami </a:t>
+            </a:r>
+            <a:r>
+              <a:rPr lang="en-US" sz="2400" dirty="0" err="1" smtClean="0">
+                <a:solidFill>
+                  <a:schemeClr val="accent1">
+                    <a:lumMod val="50000"/>
+                  </a:schemeClr>
+                </a:solidFill>
+              </a:rPr>
+              <a:t>tuju</a:t>
+            </a:r>
+            <a:r>
+              <a:rPr lang="en-US" sz="2400" dirty="0" smtClean="0">
+                <a:solidFill>
+                  <a:schemeClr val="accent1">
+                    <a:lumMod val="50000"/>
+                  </a:schemeClr>
+                </a:solidFill>
+              </a:rPr>
+              <a:t> </a:t>
+            </a:r>
+            <a:r>
+              <a:rPr lang="en-US" sz="2400" dirty="0" err="1" smtClean="0">
+                <a:solidFill>
+                  <a:schemeClr val="accent1">
+                    <a:lumMod val="50000"/>
+                  </a:schemeClr>
+                </a:solidFill>
+              </a:rPr>
+              <a:t>yaitu</a:t>
+            </a:r>
+            <a:r>
+              <a:rPr lang="en-US" sz="2400" dirty="0">
+                <a:solidFill>
+                  <a:schemeClr val="accent1">
+                    <a:lumMod val="50000"/>
+                  </a:schemeClr>
+                </a:solidFill>
+              </a:rPr>
+              <a:t> </a:t>
+            </a:r>
+            <a:r>
+              <a:rPr lang="en-US" sz="2400" dirty="0" smtClean="0">
+                <a:solidFill>
+                  <a:schemeClr val="accent1">
+                    <a:lumMod val="50000"/>
+                  </a:schemeClr>
+                </a:solidFill>
+              </a:rPr>
+              <a:t>e-commerce </a:t>
+            </a:r>
+            <a:r>
+              <a:rPr lang="en-US" sz="2400" dirty="0" err="1" smtClean="0">
+                <a:solidFill>
+                  <a:schemeClr val="accent1">
+                    <a:lumMod val="50000"/>
+                  </a:schemeClr>
+                </a:solidFill>
+              </a:rPr>
+              <a:t>besar</a:t>
+            </a:r>
+            <a:r>
+              <a:rPr lang="en-US" sz="2400" dirty="0" smtClean="0">
+                <a:solidFill>
+                  <a:schemeClr val="accent1">
+                    <a:lumMod val="50000"/>
+                  </a:schemeClr>
+                </a:solidFill>
+              </a:rPr>
+              <a:t> </a:t>
+            </a:r>
+            <a:r>
+              <a:rPr lang="en-US" sz="2400" dirty="0" err="1" smtClean="0">
+                <a:solidFill>
+                  <a:schemeClr val="accent1">
+                    <a:lumMod val="50000"/>
+                  </a:schemeClr>
+                </a:solidFill>
+              </a:rPr>
+              <a:t>seperti</a:t>
+            </a:r>
+            <a:r>
+              <a:rPr lang="en-US" sz="2400" dirty="0" smtClean="0">
+                <a:solidFill>
+                  <a:schemeClr val="accent1">
+                    <a:lumMod val="50000"/>
+                  </a:schemeClr>
+                </a:solidFill>
+              </a:rPr>
+              <a:t> </a:t>
+            </a:r>
+            <a:r>
+              <a:rPr lang="en-US" sz="2400" dirty="0" err="1" smtClean="0">
+                <a:solidFill>
+                  <a:schemeClr val="accent1">
+                    <a:lumMod val="50000"/>
+                  </a:schemeClr>
+                </a:solidFill>
+              </a:rPr>
+              <a:t>Lazada</a:t>
+            </a:r>
+            <a:r>
+              <a:rPr lang="en-US" sz="2400" dirty="0" smtClean="0">
+                <a:solidFill>
+                  <a:schemeClr val="accent1">
+                    <a:lumMod val="50000"/>
+                  </a:schemeClr>
+                </a:solidFill>
+              </a:rPr>
+              <a:t>, </a:t>
+            </a:r>
+            <a:r>
+              <a:rPr lang="en-US" sz="2400" dirty="0" err="1" smtClean="0">
+                <a:solidFill>
+                  <a:schemeClr val="accent1">
+                    <a:lumMod val="50000"/>
+                  </a:schemeClr>
+                </a:solidFill>
+              </a:rPr>
+              <a:t>Bukalapak</a:t>
+            </a:r>
+            <a:r>
+              <a:rPr lang="en-US" sz="2400" dirty="0" smtClean="0">
+                <a:solidFill>
+                  <a:schemeClr val="accent1">
+                    <a:lumMod val="50000"/>
+                  </a:schemeClr>
+                </a:solidFill>
+              </a:rPr>
+              <a:t>, </a:t>
+            </a:r>
+            <a:r>
+              <a:rPr lang="en-US" sz="2400" dirty="0" err="1" smtClean="0">
+                <a:solidFill>
+                  <a:schemeClr val="accent1">
+                    <a:lumMod val="50000"/>
+                  </a:schemeClr>
+                </a:solidFill>
+              </a:rPr>
+              <a:t>dll</a:t>
+            </a:r>
+            <a:r>
+              <a:rPr lang="en-US" sz="2400" dirty="0" smtClean="0">
+                <a:solidFill>
+                  <a:schemeClr val="accent1">
+                    <a:lumMod val="50000"/>
+                  </a:schemeClr>
+                </a:solidFill>
+              </a:rPr>
+              <a:t>.</a:t>
+            </a:r>
+            <a:endParaRPr lang="en-US" sz="2400" dirty="0">
+              <a:solidFill>
+                <a:schemeClr val="accent1">
+                  <a:lumMod val="50000"/>
+                </a:schemeClr>
+              </a:solidFill>
+              <a:latin typeface="Roboto Condensed" pitchFamily="2" charset="0"/>
+              <a:ea typeface="Roboto Condensed" pitchFamily="2" charset="0"/>
+            </a:endParaRPr>
+          </a:p>
+        </p:txBody>
+      </p:sp>
+    </p:spTree>
+    <p:extLst>
+      <p:ext uri="{BB962C8B-B14F-4D97-AF65-F5344CB8AC3E}">
+        <p14:creationId xmlns:p14="http://schemas.microsoft.com/office/powerpoint/2010/main" val="3328333708"/>
+      </p:ext>
+    </p:extLst>
+  </p:cSld>
+  <p:clrMapOvr>
+    <a:masterClrMapping/>
+  </p:clrMapOvr>
+  <p:timing>
+    <p:tnLst>
+      <p:par>
+        <p:cTn id="1" dur="indefinite" restart="never" nodeType="tmRoot"/>
+      </p:par>
+    </p:tnLst>
+  </p:timing>
+</p:sld>
+</file>
+
+<file path=ppt/slides/slide9.xml><?xml version="1.0" encoding="utf-8"?>
+<p:sld xmlns:a="http://schemas.openxmlformats.org/drawingml/2006/main" xmlns:r="http://schemas.openxmlformats.org/officeDocument/2006/relationships" xmlns:p="http://schemas.openxmlformats.org/presentationml/2006/main">
+  <p:cSld>
+    <p:bg>
+      <p:bgPr>
+        <a:solidFill>
+          <a:schemeClr val="bg1">
+            <a:lumMod val="95000"/>
+          </a:schemeClr>
+        </a:solidFill>
+        <a:effectLst/>
+      </p:bgPr>
+    </p:bg>
+    <p:spTree>
+      <p:nvGrpSpPr>
+        <p:cNvPr id="1" name=""/>
+        <p:cNvGrpSpPr/>
+        <p:nvPr/>
+      </p:nvGrpSpPr>
+      <p:grpSpPr>
+        <a:xfrm>
+          <a:off x="0" y="0"/>
+          <a:ext cx="0" cy="0"/>
+          <a:chOff x="0" y="0"/>
+          <a:chExt cx="0" cy="0"/>
+        </a:xfrm>
+      </p:grpSpPr>
+      <p:sp>
+        <p:nvSpPr>
+          <p:cNvPr id="4" name="TextBox 3"/>
+          <p:cNvSpPr txBox="1"/>
+          <p:nvPr/>
+        </p:nvSpPr>
+        <p:spPr>
+          <a:xfrm>
+            <a:off x="0" y="2724150"/>
+            <a:ext cx="10845918" cy="3770263"/>
+          </a:xfrm>
+          <a:prstGeom prst="rect">
+            <a:avLst/>
+          </a:prstGeom>
+          <a:noFill/>
+        </p:spPr>
+        <p:txBody>
+          <a:bodyPr wrap="none" rtlCol="0">
+            <a:spAutoFit/>
+          </a:bodyPr>
+          <a:lstStyle/>
+          <a:p>
+            <a:r>
+              <a:rPr lang="en-US" sz="23900" dirty="0" smtClean="0">
+                <a:solidFill>
+                  <a:schemeClr val="bg1">
+                    <a:lumMod val="85000"/>
+                  </a:schemeClr>
+                </a:solidFill>
+                <a:latin typeface="Bebas" pitchFamily="2" charset="0"/>
+              </a:rPr>
+              <a:t>WHERE? </a:t>
+            </a:r>
+            <a:endParaRPr lang="en-US" sz="23900" dirty="0">
+              <a:solidFill>
+                <a:schemeClr val="bg1">
+                  <a:lumMod val="85000"/>
+                </a:schemeClr>
+              </a:solidFill>
+              <a:latin typeface="Bebas" pitchFamily="2" charset="0"/>
+            </a:endParaRPr>
+          </a:p>
+        </p:txBody>
+      </p:sp>
+      <p:sp>
+        <p:nvSpPr>
+          <p:cNvPr id="5" name="TextBox 4"/>
+          <p:cNvSpPr txBox="1"/>
+          <p:nvPr/>
+        </p:nvSpPr>
+        <p:spPr>
+          <a:xfrm>
+            <a:off x="674711" y="447755"/>
+            <a:ext cx="1029449" cy="1323439"/>
+          </a:xfrm>
+          <a:prstGeom prst="rect">
+            <a:avLst/>
+          </a:prstGeom>
+          <a:noFill/>
+        </p:spPr>
+        <p:txBody>
+          <a:bodyPr wrap="none" rtlCol="0">
+            <a:spAutoFit/>
+          </a:bodyPr>
+          <a:lstStyle/>
+          <a:p>
+            <a:r>
+              <a:rPr lang="en-US" sz="8000" b="1" dirty="0" smtClean="0">
+                <a:solidFill>
+                  <a:schemeClr val="bg2">
+                    <a:lumMod val="50000"/>
+                  </a:schemeClr>
+                </a:solidFill>
+                <a:latin typeface="Gill Sans Ultra Bold" panose="020B0A02020104020203" pitchFamily="34" charset="0"/>
+                <a:cs typeface="Times New Roman" panose="02020603050405020304" pitchFamily="18" charset="0"/>
+              </a:rPr>
+              <a:t>“</a:t>
+            </a:r>
+            <a:endParaRPr lang="en-US" sz="8000" b="1" dirty="0">
+              <a:solidFill>
+                <a:schemeClr val="bg2">
+                  <a:lumMod val="50000"/>
+                </a:schemeClr>
+              </a:solidFill>
+              <a:latin typeface="Gill Sans Ultra Bold" panose="020B0A02020104020203" pitchFamily="34" charset="0"/>
+              <a:cs typeface="Times New Roman" panose="02020603050405020304" pitchFamily="18" charset="0"/>
+            </a:endParaRPr>
+          </a:p>
+        </p:txBody>
+      </p:sp>
+      <p:cxnSp>
+        <p:nvCxnSpPr>
+          <p:cNvPr id="6" name="Straight Connector 5"/>
+          <p:cNvCxnSpPr/>
+          <p:nvPr/>
+        </p:nvCxnSpPr>
+        <p:spPr>
+          <a:xfrm>
+            <a:off x="674711" y="1501433"/>
+            <a:ext cx="10907689" cy="0"/>
+          </a:xfrm>
+          <a:prstGeom prst="line">
+            <a:avLst/>
+          </a:prstGeom>
+          <a:ln w="28575">
+            <a:solidFill>
+              <a:schemeClr val="bg2">
+                <a:lumMod val="50000"/>
+              </a:schemeClr>
+            </a:solidFill>
+            <a:prstDash val="solid"/>
+          </a:ln>
+        </p:spPr>
+        <p:style>
+          <a:lnRef idx="1">
+            <a:schemeClr val="dk1"/>
+          </a:lnRef>
+          <a:fillRef idx="0">
+            <a:schemeClr val="dk1"/>
+          </a:fillRef>
+          <a:effectRef idx="0">
+            <a:schemeClr val="dk1"/>
+          </a:effectRef>
+          <a:fontRef idx="minor">
+            <a:schemeClr val="tx1"/>
+          </a:fontRef>
+        </p:style>
+      </p:cxnSp>
+    </p:spTree>
+    <p:extLst>
+      <p:ext uri="{BB962C8B-B14F-4D97-AF65-F5344CB8AC3E}">
+        <p14:creationId xmlns:p14="http://schemas.microsoft.com/office/powerpoint/2010/main" val="2226844105"/>
       </p:ext>
     </p:extLst>
   </p:cSld>
